--- a/vector/벡터/배열.pptx
+++ b/vector/벡터/배열.pptx
@@ -10,12 +10,7 @@
     <p:sldId id="260" r:id="rId4"/>
     <p:sldId id="278" r:id="rId5"/>
     <p:sldId id="279" r:id="rId6"/>
-    <p:sldId id="273" r:id="rId7"/>
-    <p:sldId id="274" r:id="rId8"/>
-    <p:sldId id="275" r:id="rId9"/>
-    <p:sldId id="276" r:id="rId10"/>
-    <p:sldId id="277" r:id="rId11"/>
-    <p:sldId id="261" r:id="rId12"/>
+    <p:sldId id="261" r:id="rId7"/>
   </p:sldIdLst>
   <p:sldSz cx="9144000" cy="6858000" type="screen4x3"/>
   <p:notesSz cx="6858000" cy="9144000"/>
@@ -5417,949 +5412,6 @@
 </p:sld>
 </file>
 
-<file path=ppt/slides/slide10.xml><?xml version="1.0" encoding="utf-8"?>
-<p:sld xmlns:r="http://schemas.openxmlformats.org/officeDocument/2006/relationships" xmlns:c="http://schemas.openxmlformats.org/drawingml/2006/chart" xmlns:a="http://schemas.openxmlformats.org/drawingml/2006/main" xmlns:dgm="http://schemas.openxmlformats.org/drawingml/2006/diagram" xmlns:dsp="http://schemas.microsoft.com/office/drawing/2008/diagram" xmlns:p="http://schemas.openxmlformats.org/presentationml/2006/main">
-  <p:cSld>
-    <p:spTree>
-      <p:nvGrpSpPr>
-        <p:cNvPr id="1" name=""/>
-        <p:cNvGrpSpPr/>
-        <p:nvPr/>
-      </p:nvGrpSpPr>
-      <p:grpSpPr>
-        <a:xfrm>
-          <a:off x="0" y="0"/>
-          <a:ext cx="0" cy="0"/>
-          <a:chOff x="0" y="0"/>
-          <a:chExt cx="0" cy="0"/>
-        </a:xfrm>
-      </p:grpSpPr>
-      <p:sp>
-        <p:nvSpPr>
-          <p:cNvPr id="53" name="직사각형 52"/>
-          <p:cNvSpPr/>
-          <p:nvPr/>
-        </p:nvSpPr>
-        <p:spPr>
-          <a:xfrm>
-            <a:off x="0" y="6419850"/>
-            <a:ext cx="9144000" cy="438150"/>
-          </a:xfrm>
-          <a:prstGeom prst="rect">
-            <a:avLst/>
-          </a:prstGeom>
-          <a:solidFill>
-            <a:srgbClr val="aa0638"/>
-          </a:solidFill>
-          <a:ln>
-            <a:noFill/>
-          </a:ln>
-          <a:effectLst>
-            <a:outerShdw blurRad="50800" dist="38100" dir="16200000" rotWithShape="0">
-              <a:prstClr val="black">
-                <a:alpha val="40000"/>
-              </a:prstClr>
-            </a:outerShdw>
-          </a:effectLst>
-        </p:spPr>
-        <p:style>
-          <a:lnRef idx="2">
-            <a:schemeClr val="accent1">
-              <a:shade val="50000"/>
-            </a:schemeClr>
-          </a:lnRef>
-          <a:fillRef idx="1">
-            <a:schemeClr val="accent1"/>
-          </a:fillRef>
-          <a:effectRef idx="0">
-            <a:schemeClr val="accent1"/>
-          </a:effectRef>
-          <a:fontRef idx="minor">
-            <a:schemeClr val="lt1"/>
-          </a:fontRef>
-        </p:style>
-        <p:txBody>
-          <a:bodyPr anchor="ctr"/>
-          <a:lstStyle/>
-          <a:p>
-            <a:pPr algn="ctr">
-              <a:defRPr/>
-            </a:pPr>
-            <a:endParaRPr lang="ko-KR" altLang="en-US"/>
-          </a:p>
-        </p:txBody>
-      </p:sp>
-      <p:sp>
-        <p:nvSpPr>
-          <p:cNvPr id="22" name="직사각형 21"/>
-          <p:cNvSpPr/>
-          <p:nvPr/>
-        </p:nvSpPr>
-        <p:spPr>
-          <a:xfrm>
-            <a:off x="428595" y="737216"/>
-            <a:ext cx="8511569" cy="908704"/>
-          </a:xfrm>
-          <a:prstGeom prst="rect">
-            <a:avLst/>
-          </a:prstGeom>
-          <a:effectLst/>
-        </p:spPr>
-        <p:txBody>
-          <a:bodyPr wrap="none">
-            <a:spAutoFit/>
-          </a:bodyPr>
-          <a:lstStyle/>
-          <a:p>
-            <a:pPr lvl="0">
-              <a:defRPr/>
-            </a:pPr>
-            <a:r>
-              <a:rPr xmlns:mc="http://schemas.openxmlformats.org/markup-compatibility/2006" xmlns:hp="http://schemas.haansoft.com/office/presentation/8.0" lang="ko-KR" altLang="en-US" sz="5400" b="1" mc:Ignorable="hp" hp:hslEmbossed="0">
-                <a:ln w="9525">
-                  <a:solidFill>
-                    <a:schemeClr val="bg1">
-                      <a:alpha val="55000"/>
-                    </a:schemeClr>
-                  </a:solidFill>
-                </a:ln>
-                <a:solidFill>
-                  <a:srgbClr val="10253f"/>
-                </a:solidFill>
-                <a:effectLst>
-                  <a:outerShdw blurRad="38100" dist="38100" dir="2700000" algn="tl">
-                    <a:srgbClr val="000000">
-                      <a:alpha val="43140"/>
-                    </a:srgbClr>
-                  </a:outerShdw>
-                </a:effectLst>
-                <a:latin typeface="HY견고딕"/>
-                <a:ea typeface="HY견고딕"/>
-              </a:rPr>
-              <a:t>배열의 길이 수정 시 문제점</a:t>
-            </a:r>
-            <a:endParaRPr xmlns:mc="http://schemas.openxmlformats.org/markup-compatibility/2006" xmlns:hp="http://schemas.haansoft.com/office/presentation/8.0" lang="ko-KR" altLang="en-US" sz="5400" b="1" mc:Ignorable="hp" hp:hslEmbossed="0">
-              <a:ln w="9525">
-                <a:solidFill>
-                  <a:schemeClr val="bg1">
-                    <a:alpha val="55000"/>
-                  </a:schemeClr>
-                </a:solidFill>
-              </a:ln>
-              <a:solidFill>
-                <a:srgbClr val="10253f"/>
-              </a:solidFill>
-              <a:effectLst>
-                <a:outerShdw blurRad="38100" dist="38100" dir="2700000" algn="tl">
-                  <a:srgbClr val="000000">
-                    <a:alpha val="43140"/>
-                  </a:srgbClr>
-                </a:outerShdw>
-              </a:effectLst>
-              <a:latin typeface="HY견고딕"/>
-              <a:ea typeface="HY견고딕"/>
-            </a:endParaRPr>
-          </a:p>
-        </p:txBody>
-      </p:sp>
-      <p:sp>
-        <p:nvSpPr>
-          <p:cNvPr id="13" name="TextBox 12"/>
-          <p:cNvSpPr txBox="1"/>
-          <p:nvPr/>
-        </p:nvSpPr>
-        <p:spPr>
-          <a:xfrm>
-            <a:off x="785786" y="1857364"/>
-            <a:ext cx="7602638" cy="2369831"/>
-          </a:xfrm>
-          <a:prstGeom prst="rect">
-            <a:avLst/>
-          </a:prstGeom>
-          <a:noFill/>
-        </p:spPr>
-        <p:txBody>
-          <a:bodyPr wrap="square">
-            <a:spAutoFit/>
-          </a:bodyPr>
-          <a:lstStyle/>
-          <a:p>
-            <a:pPr marL="0" indent="0">
-              <a:buFontTx/>
-              <a:buNone/>
-              <a:defRPr/>
-            </a:pPr>
-            <a:r>
-              <a:rPr lang="ko-KR" altLang="en-US" sz="3000">
-                <a:ln w="9525">
-                  <a:solidFill>
-                    <a:schemeClr val="bg1">
-                      <a:alpha val="55000"/>
-                    </a:schemeClr>
-                  </a:solidFill>
-                </a:ln>
-                <a:solidFill>
-                  <a:srgbClr val="ef0b6d"/>
-                </a:solidFill>
-                <a:latin typeface="HY견고딕"/>
-                <a:ea typeface="HY견고딕"/>
-              </a:rPr>
-              <a:t>문제점</a:t>
-            </a:r>
-            <a:endParaRPr lang="ko-KR" altLang="en-US" sz="3000">
-              <a:ln w="9525">
-                <a:solidFill>
-                  <a:schemeClr val="bg1">
-                    <a:alpha val="55000"/>
-                  </a:schemeClr>
-                </a:solidFill>
-              </a:ln>
-              <a:solidFill>
-                <a:srgbClr val="ef0b6d"/>
-              </a:solidFill>
-              <a:latin typeface="HY견고딕"/>
-              <a:ea typeface="HY견고딕"/>
-            </a:endParaRPr>
-          </a:p>
-          <a:p>
-            <a:pPr marL="0" indent="0">
-              <a:buFontTx/>
-              <a:buNone/>
-              <a:defRPr/>
-            </a:pPr>
-            <a:r>
-              <a:rPr lang="en-US" altLang="ko-KR" sz="2000">
-                <a:ln w="9525">
-                  <a:solidFill>
-                    <a:schemeClr val="bg1">
-                      <a:alpha val="55000"/>
-                    </a:schemeClr>
-                  </a:solidFill>
-                </a:ln>
-                <a:solidFill>
-                  <a:srgbClr val="10253f"/>
-                </a:solidFill>
-                <a:latin typeface="HY견고딕"/>
-                <a:ea typeface="HY견고딕"/>
-              </a:rPr>
-              <a:t>-</a:t>
-            </a:r>
-            <a:r>
-              <a:rPr lang="ko-KR" altLang="en-US" sz="2000">
-                <a:ln w="9525">
-                  <a:solidFill>
-                    <a:schemeClr val="bg1">
-                      <a:alpha val="55000"/>
-                    </a:schemeClr>
-                  </a:solidFill>
-                </a:ln>
-                <a:solidFill>
-                  <a:srgbClr val="10253f"/>
-                </a:solidFill>
-                <a:latin typeface="HY견고딕"/>
-                <a:ea typeface="HY견고딕"/>
-              </a:rPr>
-              <a:t> 사용자가 직접 관리해야해서 필요하지 않은 메모리를 계속 점유하기 때문에 메모리 누수 현상이 발생한다</a:t>
-            </a:r>
-            <a:r>
-              <a:rPr lang="en-US" altLang="ko-KR" sz="2000">
-                <a:ln w="9525">
-                  <a:solidFill>
-                    <a:schemeClr val="bg1">
-                      <a:alpha val="55000"/>
-                    </a:schemeClr>
-                  </a:solidFill>
-                </a:ln>
-                <a:solidFill>
-                  <a:srgbClr val="10253f"/>
-                </a:solidFill>
-                <a:latin typeface="HY견고딕"/>
-                <a:ea typeface="HY견고딕"/>
-              </a:rPr>
-              <a:t>.</a:t>
-            </a:r>
-            <a:r>
-              <a:rPr lang="ko-KR" altLang="en-US" sz="2000">
-                <a:ln w="9525">
-                  <a:solidFill>
-                    <a:schemeClr val="bg1">
-                      <a:alpha val="55000"/>
-                    </a:schemeClr>
-                  </a:solidFill>
-                </a:ln>
-                <a:solidFill>
-                  <a:srgbClr val="10253f"/>
-                </a:solidFill>
-                <a:latin typeface="HY견고딕"/>
-                <a:ea typeface="HY견고딕"/>
-              </a:rPr>
-              <a:t> 때문에 직접 할당한 메모리를 해지해줘야한다</a:t>
-            </a:r>
-            <a:r>
-              <a:rPr lang="en-US" altLang="ko-KR" sz="2000">
-                <a:ln w="9525">
-                  <a:solidFill>
-                    <a:schemeClr val="bg1">
-                      <a:alpha val="55000"/>
-                    </a:schemeClr>
-                  </a:solidFill>
-                </a:ln>
-                <a:solidFill>
-                  <a:srgbClr val="10253f"/>
-                </a:solidFill>
-                <a:latin typeface="HY견고딕"/>
-                <a:ea typeface="HY견고딕"/>
-              </a:rPr>
-              <a:t>.</a:t>
-            </a:r>
-            <a:endParaRPr lang="en-US" altLang="ko-KR" sz="2000">
-              <a:ln w="9525">
-                <a:solidFill>
-                  <a:schemeClr val="bg1">
-                    <a:alpha val="55000"/>
-                  </a:schemeClr>
-                </a:solidFill>
-              </a:ln>
-              <a:solidFill>
-                <a:srgbClr val="10253f"/>
-              </a:solidFill>
-              <a:latin typeface="HY견고딕"/>
-              <a:ea typeface="HY견고딕"/>
-            </a:endParaRPr>
-          </a:p>
-          <a:p>
-            <a:pPr marL="0" indent="0">
-              <a:buFontTx/>
-              <a:buNone/>
-              <a:defRPr/>
-            </a:pPr>
-            <a:r>
-              <a:rPr lang="en-US" altLang="ko-KR" sz="2000">
-                <a:ln w="9525">
-                  <a:solidFill>
-                    <a:schemeClr val="bg1">
-                      <a:alpha val="55000"/>
-                    </a:schemeClr>
-                  </a:solidFill>
-                </a:ln>
-                <a:solidFill>
-                  <a:srgbClr val="10253f"/>
-                </a:solidFill>
-                <a:latin typeface="HY견고딕"/>
-                <a:ea typeface="HY견고딕"/>
-              </a:rPr>
-              <a:t>-</a:t>
-            </a:r>
-            <a:r>
-              <a:rPr lang="ko-KR" altLang="en-US" sz="2000">
-                <a:ln w="9525">
-                  <a:solidFill>
-                    <a:schemeClr val="bg1">
-                      <a:alpha val="55000"/>
-                    </a:schemeClr>
-                  </a:solidFill>
-                </a:ln>
-                <a:solidFill>
-                  <a:srgbClr val="10253f"/>
-                </a:solidFill>
-                <a:latin typeface="HY견고딕"/>
-                <a:ea typeface="HY견고딕"/>
-              </a:rPr>
-              <a:t> 문제는 메모리 누수 현상은 해제를 해주지 않아도 컴파일에는 이상이 없는데다 발견이 어렵고</a:t>
-            </a:r>
-            <a:r>
-              <a:rPr lang="en-US" altLang="ko-KR" sz="2000">
-                <a:ln w="9525">
-                  <a:solidFill>
-                    <a:schemeClr val="bg1">
-                      <a:alpha val="55000"/>
-                    </a:schemeClr>
-                  </a:solidFill>
-                </a:ln>
-                <a:solidFill>
-                  <a:srgbClr val="10253f"/>
-                </a:solidFill>
-                <a:latin typeface="HY견고딕"/>
-                <a:ea typeface="HY견고딕"/>
-              </a:rPr>
-              <a:t>,</a:t>
-            </a:r>
-            <a:r>
-              <a:rPr lang="ko-KR" altLang="en-US" sz="2000">
-                <a:ln w="9525">
-                  <a:solidFill>
-                    <a:schemeClr val="bg1">
-                      <a:alpha val="55000"/>
-                    </a:schemeClr>
-                  </a:solidFill>
-                </a:ln>
-                <a:solidFill>
-                  <a:srgbClr val="10253f"/>
-                </a:solidFill>
-                <a:latin typeface="HY견고딕"/>
-                <a:ea typeface="HY견고딕"/>
-              </a:rPr>
-              <a:t> 해제를 했어도 누수가 발생할 수 있다</a:t>
-            </a:r>
-            <a:endParaRPr lang="ko-KR" altLang="en-US" sz="2000">
-              <a:ln w="9525">
-                <a:solidFill>
-                  <a:schemeClr val="bg1">
-                    <a:alpha val="55000"/>
-                  </a:schemeClr>
-                </a:solidFill>
-              </a:ln>
-              <a:solidFill>
-                <a:srgbClr val="10253f"/>
-              </a:solidFill>
-              <a:latin typeface="HY견고딕"/>
-              <a:ea typeface="HY견고딕"/>
-            </a:endParaRPr>
-          </a:p>
-        </p:txBody>
-      </p:sp>
-      <p:sp>
-        <p:nvSpPr>
-          <p:cNvPr id="10" name="직사각형 9"/>
-          <p:cNvSpPr/>
-          <p:nvPr/>
-        </p:nvSpPr>
-        <p:spPr>
-          <a:xfrm>
-            <a:off x="0" y="0"/>
-            <a:ext cx="9144000" cy="571480"/>
-          </a:xfrm>
-          <a:prstGeom prst="rect">
-            <a:avLst/>
-          </a:prstGeom>
-          <a:solidFill>
-            <a:schemeClr val="tx1"/>
-          </a:solidFill>
-          <a:ln>
-            <a:noFill/>
-          </a:ln>
-        </p:spPr>
-        <p:style>
-          <a:lnRef idx="2">
-            <a:schemeClr val="accent1">
-              <a:shade val="50000"/>
-            </a:schemeClr>
-          </a:lnRef>
-          <a:fillRef idx="1">
-            <a:schemeClr val="accent1"/>
-          </a:fillRef>
-          <a:effectRef idx="0">
-            <a:schemeClr val="accent1"/>
-          </a:effectRef>
-          <a:fontRef idx="minor">
-            <a:schemeClr val="lt1"/>
-          </a:fontRef>
-        </p:style>
-        <p:txBody>
-          <a:bodyPr anchor="ctr"/>
-          <a:lstStyle/>
-          <a:p>
-            <a:pPr algn="ctr">
-              <a:defRPr/>
-            </a:pPr>
-            <a:endParaRPr lang="ko-KR" altLang="en-US"/>
-          </a:p>
-        </p:txBody>
-      </p:sp>
-      <p:sp>
-        <p:nvSpPr>
-          <p:cNvPr id="23" name="직사각형 22"/>
-          <p:cNvSpPr/>
-          <p:nvPr/>
-        </p:nvSpPr>
-        <p:spPr>
-          <a:xfrm>
-            <a:off x="0" y="525760"/>
-            <a:ext cx="9144000" cy="45720"/>
-          </a:xfrm>
-          <a:prstGeom prst="rect">
-            <a:avLst/>
-          </a:prstGeom>
-          <a:solidFill>
-            <a:srgbClr val="aa0638"/>
-          </a:solidFill>
-          <a:ln>
-            <a:noFill/>
-          </a:ln>
-        </p:spPr>
-        <p:style>
-          <a:lnRef idx="2">
-            <a:schemeClr val="accent1">
-              <a:shade val="50000"/>
-            </a:schemeClr>
-          </a:lnRef>
-          <a:fillRef idx="1">
-            <a:schemeClr val="accent1"/>
-          </a:fillRef>
-          <a:effectRef idx="0">
-            <a:schemeClr val="accent1"/>
-          </a:effectRef>
-          <a:fontRef idx="minor">
-            <a:schemeClr val="lt1"/>
-          </a:fontRef>
-        </p:style>
-        <p:txBody>
-          <a:bodyPr anchor="ctr"/>
-          <a:lstStyle/>
-          <a:p>
-            <a:pPr algn="ctr">
-              <a:defRPr/>
-            </a:pPr>
-            <a:endParaRPr lang="ko-KR" altLang="en-US"/>
-          </a:p>
-        </p:txBody>
-      </p:sp>
-      <p:sp>
-        <p:nvSpPr>
-          <p:cNvPr id="11" name="타원 10"/>
-          <p:cNvSpPr/>
-          <p:nvPr/>
-        </p:nvSpPr>
-        <p:spPr>
-          <a:xfrm>
-            <a:off x="571472" y="2000240"/>
-            <a:ext cx="142876" cy="142876"/>
-          </a:xfrm>
-          <a:prstGeom prst="ellipse">
-            <a:avLst/>
-          </a:prstGeom>
-          <a:solidFill>
-            <a:srgbClr val="aa0638"/>
-          </a:solidFill>
-          <a:ln>
-            <a:noFill/>
-          </a:ln>
-          <a:effectLst>
-            <a:outerShdw blurRad="63500" sx="102000" sy="102000" algn="ctr" rotWithShape="0">
-              <a:prstClr val="black">
-                <a:alpha val="40000"/>
-              </a:prstClr>
-            </a:outerShdw>
-          </a:effectLst>
-        </p:spPr>
-        <p:style>
-          <a:lnRef idx="2">
-            <a:schemeClr val="accent1">
-              <a:shade val="50000"/>
-            </a:schemeClr>
-          </a:lnRef>
-          <a:fillRef idx="1">
-            <a:schemeClr val="accent1"/>
-          </a:fillRef>
-          <a:effectRef idx="0">
-            <a:schemeClr val="accent1"/>
-          </a:effectRef>
-          <a:fontRef idx="minor">
-            <a:schemeClr val="lt1"/>
-          </a:fontRef>
-        </p:style>
-        <p:txBody>
-          <a:bodyPr anchor="ctr"/>
-          <a:lstStyle/>
-          <a:p>
-            <a:pPr algn="ctr">
-              <a:defRPr/>
-            </a:pPr>
-            <a:endParaRPr lang="ko-KR" altLang="en-US"/>
-          </a:p>
-        </p:txBody>
-      </p:sp>
-    </p:spTree>
-    <p:extLst>
-      <p:ext uri="{BB962C8B-B14F-4D97-AF65-F5344CB8AC3E}">
-        <p14:creationId xmlns:p14="http://schemas.microsoft.com/office/powerpoint/2010/main" val="1429167384"/>
-      </p:ext>
-    </p:extLst>
-  </p:cSld>
-  <p:clrMapOvr>
-    <a:masterClrMapping/>
-  </p:clrMapOvr>
-  <mc:AlternateContent xmlns:mc="http://schemas.openxmlformats.org/markup-compatibility/2006">
-    <mc:Choice xmlns:p14="http://schemas.microsoft.com/office/powerpoint/2010/main" Requires="p14">
-      <p:transition xmlns:mc="http://schemas.openxmlformats.org/markup-compatibility/2006" xmlns:p14="http://schemas.microsoft.com/office/powerpoint/2010/main" mc:Ignorable="p14" p14:dur="500">
-        <p:fade/>
-      </p:transition>
-    </mc:Choice>
-    <mc:Fallback>
-      <p:transition xmlns:mc="http://schemas.openxmlformats.org/markup-compatibility/2006" xmlns:hp="http://schemas.haansoft.com/office/presentation/8.0" mc:Ignorable="hp" hp:hslDur="500">
-        <p:fade/>
-      </p:transition>
-    </mc:Fallback>
-  </mc:AlternateContent>
-  <p:timing>
-    <p:tnLst>
-      <p:par>
-        <p:cTn id="1" dur="indefinite" restart="never" nodeType="tmRoot"/>
-      </p:par>
-    </p:tnLst>
-  </p:timing>
-</p:sld>
-</file>
-
-<file path=ppt/slides/slide11.xml><?xml version="1.0" encoding="utf-8"?>
-<p:sld xmlns:a="http://schemas.openxmlformats.org/drawingml/2006/main" xmlns:r="http://schemas.openxmlformats.org/officeDocument/2006/relationships" xmlns:p="http://schemas.openxmlformats.org/presentationml/2006/main">
-  <p:cSld>
-    <p:spTree>
-      <p:nvGrpSpPr>
-        <p:cNvPr id="1" name=""/>
-        <p:cNvGrpSpPr/>
-        <p:nvPr/>
-      </p:nvGrpSpPr>
-      <p:grpSpPr>
-        <a:xfrm>
-          <a:off x="0" y="0"/>
-          <a:ext cx="0" cy="0"/>
-          <a:chOff x="0" y="0"/>
-          <a:chExt cx="0" cy="0"/>
-        </a:xfrm>
-      </p:grpSpPr>
-      <p:sp>
-        <p:nvSpPr>
-          <p:cNvPr id="53" name="직사각형 52"/>
-          <p:cNvSpPr/>
-          <p:nvPr/>
-        </p:nvSpPr>
-        <p:spPr>
-          <a:xfrm>
-            <a:off x="0" y="6419850"/>
-            <a:ext cx="9144000" cy="438150"/>
-          </a:xfrm>
-          <a:prstGeom prst="rect">
-            <a:avLst/>
-          </a:prstGeom>
-          <a:solidFill>
-            <a:srgbClr val="AA0638"/>
-          </a:solidFill>
-          <a:ln>
-            <a:noFill/>
-          </a:ln>
-          <a:effectLst>
-            <a:outerShdw blurRad="50800" dist="38100" dir="16200000" rotWithShape="0">
-              <a:prstClr val="black">
-                <a:alpha val="40000"/>
-              </a:prstClr>
-            </a:outerShdw>
-          </a:effectLst>
-        </p:spPr>
-        <p:style>
-          <a:lnRef idx="2">
-            <a:schemeClr val="accent1">
-              <a:shade val="50000"/>
-            </a:schemeClr>
-          </a:lnRef>
-          <a:fillRef idx="1">
-            <a:schemeClr val="accent1"/>
-          </a:fillRef>
-          <a:effectRef idx="0">
-            <a:schemeClr val="accent1"/>
-          </a:effectRef>
-          <a:fontRef idx="minor">
-            <a:schemeClr val="lt1"/>
-          </a:fontRef>
-        </p:style>
-        <p:txBody>
-          <a:bodyPr rtlCol="0" anchor="ctr"/>
-          <a:lstStyle/>
-          <a:p>
-            <a:pPr algn="ctr"/>
-            <a:endParaRPr lang="ko-KR" altLang="en-US"/>
-          </a:p>
-        </p:txBody>
-      </p:sp>
-      <p:sp>
-        <p:nvSpPr>
-          <p:cNvPr id="10" name="직사각형 9"/>
-          <p:cNvSpPr/>
-          <p:nvPr/>
-        </p:nvSpPr>
-        <p:spPr>
-          <a:xfrm>
-            <a:off x="0" y="0"/>
-            <a:ext cx="9144000" cy="571480"/>
-          </a:xfrm>
-          <a:prstGeom prst="rect">
-            <a:avLst/>
-          </a:prstGeom>
-          <a:solidFill>
-            <a:schemeClr val="tx1"/>
-          </a:solidFill>
-          <a:ln>
-            <a:noFill/>
-          </a:ln>
-        </p:spPr>
-        <p:style>
-          <a:lnRef idx="2">
-            <a:schemeClr val="accent1">
-              <a:shade val="50000"/>
-            </a:schemeClr>
-          </a:lnRef>
-          <a:fillRef idx="1">
-            <a:schemeClr val="accent1"/>
-          </a:fillRef>
-          <a:effectRef idx="0">
-            <a:schemeClr val="accent1"/>
-          </a:effectRef>
-          <a:fontRef idx="minor">
-            <a:schemeClr val="lt1"/>
-          </a:fontRef>
-        </p:style>
-        <p:txBody>
-          <a:bodyPr rtlCol="0" anchor="ctr"/>
-          <a:lstStyle/>
-          <a:p>
-            <a:pPr algn="ctr"/>
-            <a:endParaRPr lang="ko-KR" altLang="en-US"/>
-          </a:p>
-        </p:txBody>
-      </p:sp>
-      <p:sp>
-        <p:nvSpPr>
-          <p:cNvPr id="23" name="직사각형 22"/>
-          <p:cNvSpPr/>
-          <p:nvPr/>
-        </p:nvSpPr>
-        <p:spPr>
-          <a:xfrm>
-            <a:off x="0" y="525760"/>
-            <a:ext cx="9144000" cy="45720"/>
-          </a:xfrm>
-          <a:prstGeom prst="rect">
-            <a:avLst/>
-          </a:prstGeom>
-          <a:solidFill>
-            <a:srgbClr val="AA0638"/>
-          </a:solidFill>
-          <a:ln>
-            <a:noFill/>
-          </a:ln>
-        </p:spPr>
-        <p:style>
-          <a:lnRef idx="2">
-            <a:schemeClr val="accent1">
-              <a:shade val="50000"/>
-            </a:schemeClr>
-          </a:lnRef>
-          <a:fillRef idx="1">
-            <a:schemeClr val="accent1"/>
-          </a:fillRef>
-          <a:effectRef idx="0">
-            <a:schemeClr val="accent1"/>
-          </a:effectRef>
-          <a:fontRef idx="minor">
-            <a:schemeClr val="lt1"/>
-          </a:fontRef>
-        </p:style>
-        <p:txBody>
-          <a:bodyPr rtlCol="0" anchor="ctr"/>
-          <a:lstStyle/>
-          <a:p>
-            <a:pPr algn="ctr"/>
-            <a:endParaRPr lang="ko-KR" altLang="en-US"/>
-          </a:p>
-        </p:txBody>
-      </p:sp>
-      <p:sp>
-        <p:nvSpPr>
-          <p:cNvPr id="13" name="TextBox 12"/>
-          <p:cNvSpPr txBox="1"/>
-          <p:nvPr/>
-        </p:nvSpPr>
-        <p:spPr>
-          <a:xfrm>
-            <a:off x="2714612" y="3071810"/>
-            <a:ext cx="3714776" cy="646331"/>
-          </a:xfrm>
-          <a:prstGeom prst="rect">
-            <a:avLst/>
-          </a:prstGeom>
-          <a:noFill/>
-        </p:spPr>
-        <p:txBody>
-          <a:bodyPr wrap="square" rtlCol="0">
-            <a:spAutoFit/>
-          </a:bodyPr>
-          <a:lstStyle/>
-          <a:p>
-            <a:pPr algn="ctr"/>
-            <a:r>
-              <a:rPr lang="en-US" altLang="ko-KR" sz="3600" smtClean="0">
-                <a:ln>
-                  <a:solidFill>
-                    <a:schemeClr val="bg1">
-                      <a:alpha val="55000"/>
-                    </a:schemeClr>
-                  </a:solidFill>
-                </a:ln>
-                <a:gradFill>
-                  <a:gsLst>
-                    <a:gs pos="0">
-                      <a:schemeClr val="tx1"/>
-                    </a:gs>
-                    <a:gs pos="100000">
-                      <a:srgbClr val="C00000"/>
-                    </a:gs>
-                  </a:gsLst>
-                  <a:lin ang="5400000" scaled="0"/>
-                </a:gradFill>
-                <a:latin typeface="HY견고딕" pitchFamily="18" charset="-127"/>
-                <a:ea typeface="HY견고딕" pitchFamily="18" charset="-127"/>
-              </a:rPr>
-              <a:t>THANK YOU</a:t>
-            </a:r>
-            <a:endParaRPr lang="en-US" altLang="ko-KR" sz="3600" dirty="0" smtClean="0">
-              <a:ln>
-                <a:solidFill>
-                  <a:schemeClr val="bg1">
-                    <a:alpha val="55000"/>
-                  </a:schemeClr>
-                </a:solidFill>
-              </a:ln>
-              <a:gradFill>
-                <a:gsLst>
-                  <a:gs pos="0">
-                    <a:schemeClr val="tx1"/>
-                  </a:gs>
-                  <a:gs pos="100000">
-                    <a:srgbClr val="C00000"/>
-                  </a:gs>
-                </a:gsLst>
-                <a:lin ang="5400000" scaled="0"/>
-              </a:gradFill>
-              <a:latin typeface="HY견고딕" pitchFamily="18" charset="-127"/>
-              <a:ea typeface="HY견고딕" pitchFamily="18" charset="-127"/>
-            </a:endParaRPr>
-          </a:p>
-        </p:txBody>
-      </p:sp>
-      <p:sp>
-        <p:nvSpPr>
-          <p:cNvPr id="11" name="타원 10"/>
-          <p:cNvSpPr/>
-          <p:nvPr/>
-        </p:nvSpPr>
-        <p:spPr>
-          <a:xfrm>
-            <a:off x="2714612" y="3214686"/>
-            <a:ext cx="144000" cy="142876"/>
-          </a:xfrm>
-          <a:prstGeom prst="ellipse">
-            <a:avLst/>
-          </a:prstGeom>
-          <a:solidFill>
-            <a:srgbClr val="AA0638"/>
-          </a:solidFill>
-          <a:ln>
-            <a:noFill/>
-          </a:ln>
-          <a:effectLst>
-            <a:outerShdw blurRad="63500" sx="102000" sy="102000" algn="ctr" rotWithShape="0">
-              <a:prstClr val="black">
-                <a:alpha val="40000"/>
-              </a:prstClr>
-            </a:outerShdw>
-          </a:effectLst>
-        </p:spPr>
-        <p:style>
-          <a:lnRef idx="2">
-            <a:schemeClr val="accent1">
-              <a:shade val="50000"/>
-            </a:schemeClr>
-          </a:lnRef>
-          <a:fillRef idx="1">
-            <a:schemeClr val="accent1"/>
-          </a:fillRef>
-          <a:effectRef idx="0">
-            <a:schemeClr val="accent1"/>
-          </a:effectRef>
-          <a:fontRef idx="minor">
-            <a:schemeClr val="lt1"/>
-          </a:fontRef>
-        </p:style>
-        <p:txBody>
-          <a:bodyPr rtlCol="0" anchor="ctr"/>
-          <a:lstStyle/>
-          <a:p>
-            <a:pPr algn="ctr"/>
-            <a:endParaRPr lang="ko-KR" altLang="en-US" sz="3200"/>
-          </a:p>
-        </p:txBody>
-      </p:sp>
-      <p:sp>
-        <p:nvSpPr>
-          <p:cNvPr id="14" name="타원 13"/>
-          <p:cNvSpPr/>
-          <p:nvPr/>
-        </p:nvSpPr>
-        <p:spPr>
-          <a:xfrm>
-            <a:off x="6215074" y="3214686"/>
-            <a:ext cx="144000" cy="142876"/>
-          </a:xfrm>
-          <a:prstGeom prst="ellipse">
-            <a:avLst/>
-          </a:prstGeom>
-          <a:solidFill>
-            <a:srgbClr val="AA0638"/>
-          </a:solidFill>
-          <a:ln>
-            <a:noFill/>
-          </a:ln>
-          <a:effectLst>
-            <a:outerShdw blurRad="63500" sx="102000" sy="102000" algn="ctr" rotWithShape="0">
-              <a:prstClr val="black">
-                <a:alpha val="40000"/>
-              </a:prstClr>
-            </a:outerShdw>
-          </a:effectLst>
-        </p:spPr>
-        <p:style>
-          <a:lnRef idx="2">
-            <a:schemeClr val="accent1">
-              <a:shade val="50000"/>
-            </a:schemeClr>
-          </a:lnRef>
-          <a:fillRef idx="1">
-            <a:schemeClr val="accent1"/>
-          </a:fillRef>
-          <a:effectRef idx="0">
-            <a:schemeClr val="accent1"/>
-          </a:effectRef>
-          <a:fontRef idx="minor">
-            <a:schemeClr val="lt1"/>
-          </a:fontRef>
-        </p:style>
-        <p:txBody>
-          <a:bodyPr rtlCol="0" anchor="ctr"/>
-          <a:lstStyle/>
-          <a:p>
-            <a:pPr algn="ctr"/>
-            <a:endParaRPr lang="ko-KR" altLang="en-US" sz="3200"/>
-          </a:p>
-        </p:txBody>
-      </p:sp>
-    </p:spTree>
-  </p:cSld>
-  <p:clrMapOvr>
-    <a:masterClrMapping/>
-  </p:clrMapOvr>
-  <p:transition>
-    <p:fade/>
-  </p:transition>
-  <p:timing>
-    <p:tnLst>
-      <p:par>
-        <p:cTn id="1" dur="indefinite" restart="never" nodeType="tmRoot"/>
-      </p:par>
-    </p:tnLst>
-  </p:timing>
-</p:sld>
-</file>
-
 <file path=ppt/slides/slide2.xml><?xml version="1.0" encoding="utf-8"?>
 <p:sld xmlns:r="http://schemas.openxmlformats.org/officeDocument/2006/relationships" xmlns:c="http://schemas.openxmlformats.org/drawingml/2006/chart" xmlns:a="http://schemas.openxmlformats.org/drawingml/2006/main" xmlns:dgm="http://schemas.openxmlformats.org/drawingml/2006/diagram" xmlns:dsp="http://schemas.microsoft.com/office/drawing/2008/diagram" xmlns:p="http://schemas.openxmlformats.org/presentationml/2006/main">
   <p:cSld>
@@ -9463,7 +8515,7 @@
 </file>
 
 <file path=ppt/slides/slide6.xml><?xml version="1.0" encoding="utf-8"?>
-<p:sld xmlns:r="http://schemas.openxmlformats.org/officeDocument/2006/relationships" xmlns:c="http://schemas.openxmlformats.org/drawingml/2006/chart" xmlns:a="http://schemas.openxmlformats.org/drawingml/2006/main" xmlns:dgm="http://schemas.openxmlformats.org/drawingml/2006/diagram" xmlns:dsp="http://schemas.microsoft.com/office/drawing/2008/diagram" xmlns:p="http://schemas.openxmlformats.org/presentationml/2006/main">
+<p:sld xmlns:a="http://schemas.openxmlformats.org/drawingml/2006/main" xmlns:r="http://schemas.openxmlformats.org/officeDocument/2006/relationships" xmlns:p="http://schemas.openxmlformats.org/presentationml/2006/main">
   <p:cSld>
     <p:spTree>
       <p:nvGrpSpPr>
@@ -9494,7 +8546,7 @@
             <a:avLst/>
           </a:prstGeom>
           <a:solidFill>
-            <a:srgbClr val="aa0638"/>
+            <a:srgbClr val="AA0638"/>
           </a:solidFill>
           <a:ln>
             <a:noFill/>
@@ -9524,724 +8576,11 @@
           </a:fontRef>
         </p:style>
         <p:txBody>
-          <a:bodyPr anchor="ctr"/>
-          <a:lstStyle/>
-          <a:p>
-            <a:pPr algn="ctr">
-              <a:defRPr/>
-            </a:pPr>
-            <a:endParaRPr lang="ko-KR" altLang="en-US"/>
-          </a:p>
-        </p:txBody>
-      </p:sp>
-      <p:sp>
-        <p:nvSpPr>
-          <p:cNvPr id="22" name="직사각형 21"/>
-          <p:cNvSpPr/>
-          <p:nvPr/>
-        </p:nvSpPr>
-        <p:spPr>
-          <a:xfrm>
-            <a:off x="428595" y="737216"/>
-            <a:ext cx="5377844" cy="908704"/>
-          </a:xfrm>
-          <a:prstGeom prst="rect">
-            <a:avLst/>
-          </a:prstGeom>
-          <a:effectLst/>
-        </p:spPr>
-        <p:txBody>
-          <a:bodyPr wrap="none">
-            <a:spAutoFit/>
-          </a:bodyPr>
-          <a:lstStyle/>
-          <a:p>
-            <a:pPr lvl="0">
-              <a:defRPr/>
-            </a:pPr>
-            <a:r>
-              <a:rPr xmlns:mc="http://schemas.openxmlformats.org/markup-compatibility/2006" xmlns:hp="http://schemas.haansoft.com/office/presentation/8.0" lang="ko-KR" altLang="en-US" sz="5400" b="1" mc:Ignorable="hp" hp:hslEmbossed="0">
-                <a:ln w="9525">
-                  <a:solidFill>
-                    <a:schemeClr val="bg1">
-                      <a:alpha val="55000"/>
-                    </a:schemeClr>
-                  </a:solidFill>
-                </a:ln>
-                <a:solidFill>
-                  <a:srgbClr val="10253f"/>
-                </a:solidFill>
-                <a:effectLst>
-                  <a:outerShdw blurRad="38100" dist="38100" dir="2700000" algn="tl">
-                    <a:srgbClr val="000000">
-                      <a:alpha val="43140"/>
-                    </a:srgbClr>
-                  </a:outerShdw>
-                </a:effectLst>
-                <a:latin typeface="HY견고딕"/>
-                <a:ea typeface="HY견고딕"/>
-              </a:rPr>
-              <a:t>배열의 길이 수정</a:t>
-            </a:r>
-            <a:endParaRPr xmlns:mc="http://schemas.openxmlformats.org/markup-compatibility/2006" xmlns:hp="http://schemas.haansoft.com/office/presentation/8.0" lang="ko-KR" altLang="en-US" sz="5400" b="1" mc:Ignorable="hp" hp:hslEmbossed="0">
-              <a:ln w="9525">
-                <a:solidFill>
-                  <a:schemeClr val="bg1">
-                    <a:alpha val="55000"/>
-                  </a:schemeClr>
-                </a:solidFill>
-              </a:ln>
-              <a:solidFill>
-                <a:srgbClr val="10253f"/>
-              </a:solidFill>
-              <a:effectLst>
-                <a:outerShdw blurRad="38100" dist="38100" dir="2700000" algn="tl">
-                  <a:srgbClr val="000000">
-                    <a:alpha val="43140"/>
-                  </a:srgbClr>
-                </a:outerShdw>
-              </a:effectLst>
-              <a:latin typeface="HY견고딕"/>
-              <a:ea typeface="HY견고딕"/>
-            </a:endParaRPr>
-          </a:p>
-        </p:txBody>
-      </p:sp>
-      <p:sp>
-        <p:nvSpPr>
-          <p:cNvPr id="13" name="TextBox 12"/>
-          <p:cNvSpPr txBox="1"/>
-          <p:nvPr/>
-        </p:nvSpPr>
-        <p:spPr>
-          <a:xfrm>
-            <a:off x="785786" y="1857364"/>
-            <a:ext cx="7602638" cy="2674631"/>
-          </a:xfrm>
-          <a:prstGeom prst="rect">
-            <a:avLst/>
-          </a:prstGeom>
-          <a:noFill/>
-        </p:spPr>
-        <p:txBody>
-          <a:bodyPr wrap="square">
-            <a:spAutoFit/>
-          </a:bodyPr>
-          <a:lstStyle/>
-          <a:p>
-            <a:pPr marL="0" indent="0">
-              <a:buFontTx/>
-              <a:buNone/>
-              <a:defRPr/>
-            </a:pPr>
-            <a:r>
-              <a:rPr lang="ko-KR" altLang="en-US" sz="3000">
-                <a:ln w="9525">
-                  <a:solidFill>
-                    <a:schemeClr val="bg1">
-                      <a:alpha val="55000"/>
-                    </a:schemeClr>
-                  </a:solidFill>
-                </a:ln>
-                <a:solidFill>
-                  <a:srgbClr val="ef0b6d"/>
-                </a:solidFill>
-                <a:latin typeface="HY견고딕"/>
-                <a:ea typeface="HY견고딕"/>
-              </a:rPr>
-              <a:t>프로그래밍 메모리</a:t>
-            </a:r>
-            <a:endParaRPr lang="ko-KR" altLang="en-US" sz="3000">
-              <a:ln w="9525">
-                <a:solidFill>
-                  <a:schemeClr val="bg1">
-                    <a:alpha val="55000"/>
-                  </a:schemeClr>
-                </a:solidFill>
-              </a:ln>
-              <a:solidFill>
-                <a:srgbClr val="ef0b6d"/>
-              </a:solidFill>
-              <a:latin typeface="HY견고딕"/>
-              <a:ea typeface="HY견고딕"/>
-            </a:endParaRPr>
-          </a:p>
-          <a:p>
-            <a:pPr marL="0" indent="0">
-              <a:buFontTx/>
-              <a:buNone/>
-              <a:defRPr/>
-            </a:pPr>
-            <a:r>
-              <a:rPr lang="en-US" altLang="ko-KR" sz="2000">
-                <a:ln w="9525">
-                  <a:solidFill>
-                    <a:schemeClr val="bg1">
-                      <a:alpha val="55000"/>
-                    </a:schemeClr>
-                  </a:solidFill>
-                </a:ln>
-                <a:solidFill>
-                  <a:srgbClr val="10253f"/>
-                </a:solidFill>
-                <a:latin typeface="HY견고딕"/>
-                <a:ea typeface="HY견고딕"/>
-              </a:rPr>
-              <a:t>-</a:t>
-            </a:r>
-            <a:r>
-              <a:rPr lang="ko-KR" altLang="en-US" sz="2000">
-                <a:ln w="9525">
-                  <a:solidFill>
-                    <a:schemeClr val="bg1">
-                      <a:alpha val="55000"/>
-                    </a:schemeClr>
-                  </a:solidFill>
-                </a:ln>
-                <a:solidFill>
-                  <a:srgbClr val="10253f"/>
-                </a:solidFill>
-                <a:latin typeface="HY견고딕"/>
-                <a:ea typeface="HY견고딕"/>
-              </a:rPr>
-              <a:t> </a:t>
-            </a:r>
-            <a:r>
-              <a:rPr lang="en-US" altLang="ko-KR" sz="2000">
-                <a:ln w="9525">
-                  <a:solidFill>
-                    <a:schemeClr val="bg1">
-                      <a:alpha val="55000"/>
-                    </a:schemeClr>
-                  </a:solidFill>
-                </a:ln>
-                <a:solidFill>
-                  <a:srgbClr val="10253f"/>
-                </a:solidFill>
-                <a:latin typeface="HY견고딕"/>
-                <a:ea typeface="HY견고딕"/>
-              </a:rPr>
-              <a:t>code</a:t>
-            </a:r>
-            <a:r>
-              <a:rPr lang="ko-KR" altLang="en-US" sz="2000">
-                <a:ln w="9525">
-                  <a:solidFill>
-                    <a:schemeClr val="bg1">
-                      <a:alpha val="55000"/>
-                    </a:schemeClr>
-                  </a:solidFill>
-                </a:ln>
-                <a:solidFill>
-                  <a:srgbClr val="10253f"/>
-                </a:solidFill>
-                <a:latin typeface="HY견고딕"/>
-                <a:ea typeface="HY견고딕"/>
-              </a:rPr>
-              <a:t> 영역 </a:t>
-            </a:r>
-            <a:r>
-              <a:rPr lang="en-US" altLang="ko-KR" sz="2000">
-                <a:ln w="9525">
-                  <a:solidFill>
-                    <a:schemeClr val="bg1">
-                      <a:alpha val="55000"/>
-                    </a:schemeClr>
-                  </a:solidFill>
-                </a:ln>
-                <a:solidFill>
-                  <a:srgbClr val="10253f"/>
-                </a:solidFill>
-                <a:latin typeface="HY견고딕"/>
-                <a:ea typeface="HY견고딕"/>
-              </a:rPr>
-              <a:t>:</a:t>
-            </a:r>
-            <a:r>
-              <a:rPr lang="ko-KR" altLang="en-US" sz="2000">
-                <a:ln w="9525">
-                  <a:solidFill>
-                    <a:schemeClr val="bg1">
-                      <a:alpha val="55000"/>
-                    </a:schemeClr>
-                  </a:solidFill>
-                </a:ln>
-                <a:solidFill>
-                  <a:srgbClr val="10253f"/>
-                </a:solidFill>
-                <a:latin typeface="HY견고딕"/>
-                <a:ea typeface="HY견고딕"/>
-              </a:rPr>
-              <a:t> 실행한 프로그램의 코드가 저장됨</a:t>
-            </a:r>
-            <a:r>
-              <a:rPr lang="en-US" altLang="ko-KR" sz="2000">
-                <a:ln w="9525">
-                  <a:solidFill>
-                    <a:schemeClr val="bg1">
-                      <a:alpha val="55000"/>
-                    </a:schemeClr>
-                  </a:solidFill>
-                </a:ln>
-                <a:solidFill>
-                  <a:srgbClr val="10253f"/>
-                </a:solidFill>
-                <a:latin typeface="HY견고딕"/>
-                <a:ea typeface="HY견고딕"/>
-              </a:rPr>
-              <a:t>.</a:t>
-            </a:r>
-            <a:endParaRPr lang="en-US" altLang="ko-KR" sz="2000">
-              <a:ln w="9525">
-                <a:solidFill>
-                  <a:schemeClr val="bg1">
-                    <a:alpha val="55000"/>
-                  </a:schemeClr>
-                </a:solidFill>
-              </a:ln>
-              <a:solidFill>
-                <a:srgbClr val="10253f"/>
-              </a:solidFill>
-              <a:latin typeface="HY견고딕"/>
-              <a:ea typeface="HY견고딕"/>
-            </a:endParaRPr>
-          </a:p>
-          <a:p>
-            <a:pPr marL="0" indent="0">
-              <a:buFontTx/>
-              <a:buNone/>
-              <a:defRPr/>
-            </a:pPr>
-            <a:r>
-              <a:rPr lang="en-US" altLang="ko-KR" sz="2000">
-                <a:ln w="9525">
-                  <a:solidFill>
-                    <a:schemeClr val="bg1">
-                      <a:alpha val="55000"/>
-                    </a:schemeClr>
-                  </a:solidFill>
-                </a:ln>
-                <a:solidFill>
-                  <a:srgbClr val="10253f"/>
-                </a:solidFill>
-                <a:latin typeface="HY견고딕"/>
-                <a:ea typeface="HY견고딕"/>
-              </a:rPr>
-              <a:t>-</a:t>
-            </a:r>
-            <a:r>
-              <a:rPr lang="ko-KR" altLang="en-US" sz="2000">
-                <a:ln w="9525">
-                  <a:solidFill>
-                    <a:schemeClr val="bg1">
-                      <a:alpha val="55000"/>
-                    </a:schemeClr>
-                  </a:solidFill>
-                </a:ln>
-                <a:solidFill>
-                  <a:srgbClr val="10253f"/>
-                </a:solidFill>
-                <a:latin typeface="HY견고딕"/>
-                <a:ea typeface="HY견고딕"/>
-              </a:rPr>
-              <a:t> </a:t>
-            </a:r>
-            <a:r>
-              <a:rPr lang="en-US" altLang="ko-KR" sz="2000">
-                <a:ln w="9525">
-                  <a:solidFill>
-                    <a:schemeClr val="bg1">
-                      <a:alpha val="55000"/>
-                    </a:schemeClr>
-                  </a:solidFill>
-                </a:ln>
-                <a:solidFill>
-                  <a:srgbClr val="10253f"/>
-                </a:solidFill>
-                <a:latin typeface="HY견고딕"/>
-                <a:ea typeface="HY견고딕"/>
-              </a:rPr>
-              <a:t>data</a:t>
-            </a:r>
-            <a:r>
-              <a:rPr lang="ko-KR" altLang="en-US" sz="2000">
-                <a:ln w="9525">
-                  <a:solidFill>
-                    <a:schemeClr val="bg1">
-                      <a:alpha val="55000"/>
-                    </a:schemeClr>
-                  </a:solidFill>
-                </a:ln>
-                <a:solidFill>
-                  <a:srgbClr val="10253f"/>
-                </a:solidFill>
-                <a:latin typeface="HY견고딕"/>
-                <a:ea typeface="HY견고딕"/>
-              </a:rPr>
-              <a:t> 영역 </a:t>
-            </a:r>
-            <a:r>
-              <a:rPr lang="en-US" altLang="ko-KR" sz="2000">
-                <a:ln w="9525">
-                  <a:solidFill>
-                    <a:schemeClr val="bg1">
-                      <a:alpha val="55000"/>
-                    </a:schemeClr>
-                  </a:solidFill>
-                </a:ln>
-                <a:solidFill>
-                  <a:srgbClr val="10253f"/>
-                </a:solidFill>
-                <a:latin typeface="HY견고딕"/>
-                <a:ea typeface="HY견고딕"/>
-              </a:rPr>
-              <a:t>:</a:t>
-            </a:r>
-            <a:r>
-              <a:rPr lang="ko-KR" altLang="en-US" sz="2000">
-                <a:ln w="9525">
-                  <a:solidFill>
-                    <a:schemeClr val="bg1">
-                      <a:alpha val="55000"/>
-                    </a:schemeClr>
-                  </a:solidFill>
-                </a:ln>
-                <a:solidFill>
-                  <a:srgbClr val="10253f"/>
-                </a:solidFill>
-                <a:latin typeface="HY견고딕"/>
-                <a:ea typeface="HY견고딕"/>
-              </a:rPr>
-              <a:t> 전역변수와 </a:t>
-            </a:r>
-            <a:r>
-              <a:rPr lang="en-US" altLang="ko-KR" sz="2000">
-                <a:ln w="9525">
-                  <a:solidFill>
-                    <a:schemeClr val="bg1">
-                      <a:alpha val="55000"/>
-                    </a:schemeClr>
-                  </a:solidFill>
-                </a:ln>
-                <a:solidFill>
-                  <a:srgbClr val="10253f"/>
-                </a:solidFill>
-                <a:latin typeface="HY견고딕"/>
-                <a:ea typeface="HY견고딕"/>
-              </a:rPr>
-              <a:t>static</a:t>
-            </a:r>
-            <a:r>
-              <a:rPr lang="ko-KR" altLang="en-US" sz="2000">
-                <a:ln w="9525">
-                  <a:solidFill>
-                    <a:schemeClr val="bg1">
-                      <a:alpha val="55000"/>
-                    </a:schemeClr>
-                  </a:solidFill>
-                </a:ln>
-                <a:solidFill>
-                  <a:srgbClr val="10253f"/>
-                </a:solidFill>
-                <a:latin typeface="HY견고딕"/>
-                <a:ea typeface="HY견고딕"/>
-              </a:rPr>
-              <a:t>변수가 저장되며 프로그램 종료까지 남아있음</a:t>
-            </a:r>
-            <a:endParaRPr lang="ko-KR" altLang="en-US" sz="2000">
-              <a:ln w="9525">
-                <a:solidFill>
-                  <a:schemeClr val="bg1">
-                    <a:alpha val="55000"/>
-                  </a:schemeClr>
-                </a:solidFill>
-              </a:ln>
-              <a:solidFill>
-                <a:srgbClr val="10253f"/>
-              </a:solidFill>
-              <a:latin typeface="HY견고딕"/>
-              <a:ea typeface="HY견고딕"/>
-            </a:endParaRPr>
-          </a:p>
-          <a:p>
-            <a:pPr marL="0" indent="0">
-              <a:buFontTx/>
-              <a:buNone/>
-              <a:defRPr/>
-            </a:pPr>
-            <a:r>
-              <a:rPr lang="en-US" altLang="ko-KR" sz="2000">
-                <a:ln w="9525">
-                  <a:solidFill>
-                    <a:schemeClr val="bg1">
-                      <a:alpha val="55000"/>
-                    </a:schemeClr>
-                  </a:solidFill>
-                </a:ln>
-                <a:solidFill>
-                  <a:srgbClr val="10253f"/>
-                </a:solidFill>
-                <a:latin typeface="HY견고딕"/>
-                <a:ea typeface="HY견고딕"/>
-              </a:rPr>
-              <a:t>-</a:t>
-            </a:r>
-            <a:r>
-              <a:rPr lang="ko-KR" altLang="en-US" sz="2000">
-                <a:ln w="9525">
-                  <a:solidFill>
-                    <a:schemeClr val="bg1">
-                      <a:alpha val="55000"/>
-                    </a:schemeClr>
-                  </a:solidFill>
-                </a:ln>
-                <a:solidFill>
-                  <a:srgbClr val="10253f"/>
-                </a:solidFill>
-                <a:latin typeface="HY견고딕"/>
-                <a:ea typeface="HY견고딕"/>
-              </a:rPr>
-              <a:t> </a:t>
-            </a:r>
-            <a:r>
-              <a:rPr lang="en-US" altLang="ko-KR" sz="2000">
-                <a:ln w="9525">
-                  <a:solidFill>
-                    <a:schemeClr val="bg1">
-                      <a:alpha val="55000"/>
-                    </a:schemeClr>
-                  </a:solidFill>
-                </a:ln>
-                <a:solidFill>
-                  <a:srgbClr val="10253f"/>
-                </a:solidFill>
-                <a:latin typeface="HY견고딕"/>
-                <a:ea typeface="HY견고딕"/>
-              </a:rPr>
-              <a:t>heap</a:t>
-            </a:r>
-            <a:r>
-              <a:rPr lang="ko-KR" altLang="en-US" sz="2000">
-                <a:ln w="9525">
-                  <a:solidFill>
-                    <a:schemeClr val="bg1">
-                      <a:alpha val="55000"/>
-                    </a:schemeClr>
-                  </a:solidFill>
-                </a:ln>
-                <a:solidFill>
-                  <a:srgbClr val="10253f"/>
-                </a:solidFill>
-                <a:latin typeface="HY견고딕"/>
-                <a:ea typeface="HY견고딕"/>
-              </a:rPr>
-              <a:t> 영역 </a:t>
-            </a:r>
-            <a:r>
-              <a:rPr lang="en-US" altLang="ko-KR" sz="2000">
-                <a:ln w="9525">
-                  <a:solidFill>
-                    <a:schemeClr val="bg1">
-                      <a:alpha val="55000"/>
-                    </a:schemeClr>
-                  </a:solidFill>
-                </a:ln>
-                <a:solidFill>
-                  <a:srgbClr val="10253f"/>
-                </a:solidFill>
-                <a:latin typeface="HY견고딕"/>
-                <a:ea typeface="HY견고딕"/>
-              </a:rPr>
-              <a:t>:</a:t>
-            </a:r>
-            <a:r>
-              <a:rPr lang="ko-KR" altLang="en-US" sz="2000">
-                <a:ln w="9525">
-                  <a:solidFill>
-                    <a:schemeClr val="bg1">
-                      <a:alpha val="55000"/>
-                    </a:schemeClr>
-                  </a:solidFill>
-                </a:ln>
-                <a:solidFill>
-                  <a:srgbClr val="10253f"/>
-                </a:solidFill>
-                <a:latin typeface="HY견고딕"/>
-                <a:ea typeface="HY견고딕"/>
-              </a:rPr>
-              <a:t> 동적으로 할당된 메모리영역이며 프로그래머에 의해 할당 및 해제됨</a:t>
-            </a:r>
-            <a:r>
-              <a:rPr lang="en-US" altLang="ko-KR" sz="2000">
-                <a:ln w="9525">
-                  <a:solidFill>
-                    <a:schemeClr val="bg1">
-                      <a:alpha val="55000"/>
-                    </a:schemeClr>
-                  </a:solidFill>
-                </a:ln>
-                <a:solidFill>
-                  <a:srgbClr val="10253f"/>
-                </a:solidFill>
-                <a:latin typeface="HY견고딕"/>
-                <a:ea typeface="HY견고딕"/>
-              </a:rPr>
-              <a:t>.</a:t>
-            </a:r>
-            <a:endParaRPr lang="en-US" altLang="ko-KR" sz="2000">
-              <a:ln w="9525">
-                <a:solidFill>
-                  <a:schemeClr val="bg1">
-                    <a:alpha val="55000"/>
-                  </a:schemeClr>
-                </a:solidFill>
-              </a:ln>
-              <a:solidFill>
-                <a:srgbClr val="10253f"/>
-              </a:solidFill>
-              <a:latin typeface="HY견고딕"/>
-              <a:ea typeface="HY견고딕"/>
-            </a:endParaRPr>
-          </a:p>
-          <a:p>
-            <a:pPr marL="0" indent="0">
-              <a:buFontTx/>
-              <a:buNone/>
-              <a:defRPr/>
-            </a:pPr>
-            <a:r>
-              <a:rPr lang="en-US" altLang="ko-KR" sz="2000">
-                <a:ln w="9525">
-                  <a:solidFill>
-                    <a:schemeClr val="bg1">
-                      <a:alpha val="55000"/>
-                    </a:schemeClr>
-                  </a:solidFill>
-                </a:ln>
-                <a:solidFill>
-                  <a:srgbClr val="10253f"/>
-                </a:solidFill>
-                <a:latin typeface="HY견고딕"/>
-                <a:ea typeface="HY견고딕"/>
-              </a:rPr>
-              <a:t>- stack</a:t>
-            </a:r>
-            <a:r>
-              <a:rPr lang="ko-KR" altLang="en-US" sz="2000">
-                <a:ln w="9525">
-                  <a:solidFill>
-                    <a:schemeClr val="bg1">
-                      <a:alpha val="55000"/>
-                    </a:schemeClr>
-                  </a:solidFill>
-                </a:ln>
-                <a:solidFill>
-                  <a:srgbClr val="10253f"/>
-                </a:solidFill>
-                <a:latin typeface="HY견고딕"/>
-                <a:ea typeface="HY견고딕"/>
-              </a:rPr>
-              <a:t> 영역 </a:t>
-            </a:r>
-            <a:r>
-              <a:rPr lang="en-US" altLang="ko-KR" sz="2000">
-                <a:ln w="9525">
-                  <a:solidFill>
-                    <a:schemeClr val="bg1">
-                      <a:alpha val="55000"/>
-                    </a:schemeClr>
-                  </a:solidFill>
-                </a:ln>
-                <a:solidFill>
-                  <a:srgbClr val="10253f"/>
-                </a:solidFill>
-                <a:latin typeface="HY견고딕"/>
-                <a:ea typeface="HY견고딕"/>
-              </a:rPr>
-              <a:t>:</a:t>
-            </a:r>
-            <a:r>
-              <a:rPr lang="ko-KR" altLang="en-US" sz="2000">
-                <a:ln w="9525">
-                  <a:solidFill>
-                    <a:schemeClr val="bg1">
-                      <a:alpha val="55000"/>
-                    </a:schemeClr>
-                  </a:solidFill>
-                </a:ln>
-                <a:solidFill>
-                  <a:srgbClr val="10253f"/>
-                </a:solidFill>
-                <a:latin typeface="HY견고딕"/>
-                <a:ea typeface="HY견고딕"/>
-              </a:rPr>
-              <a:t> 지역변수</a:t>
-            </a:r>
-            <a:r>
-              <a:rPr lang="en-US" altLang="ko-KR" sz="2000">
-                <a:ln w="9525">
-                  <a:solidFill>
-                    <a:schemeClr val="bg1">
-                      <a:alpha val="55000"/>
-                    </a:schemeClr>
-                  </a:solidFill>
-                </a:ln>
-                <a:solidFill>
-                  <a:srgbClr val="10253f"/>
-                </a:solidFill>
-                <a:latin typeface="HY견고딕"/>
-                <a:ea typeface="HY견고딕"/>
-              </a:rPr>
-              <a:t>,</a:t>
-            </a:r>
-            <a:r>
-              <a:rPr lang="ko-KR" altLang="en-US" sz="2000">
-                <a:ln w="9525">
-                  <a:solidFill>
-                    <a:schemeClr val="bg1">
-                      <a:alpha val="55000"/>
-                    </a:schemeClr>
-                  </a:solidFill>
-                </a:ln>
-                <a:solidFill>
-                  <a:srgbClr val="10253f"/>
-                </a:solidFill>
-                <a:latin typeface="HY견고딕"/>
-                <a:ea typeface="HY견고딕"/>
-              </a:rPr>
-              <a:t> 매개변수 등이 할당되고 함수를 빠져나가면 소멸됨</a:t>
-            </a:r>
-            <a:r>
-              <a:rPr lang="en-US" altLang="ko-KR" sz="2000">
-                <a:ln w="9525">
-                  <a:solidFill>
-                    <a:schemeClr val="bg1">
-                      <a:alpha val="55000"/>
-                    </a:schemeClr>
-                  </a:solidFill>
-                </a:ln>
-                <a:solidFill>
-                  <a:srgbClr val="10253f"/>
-                </a:solidFill>
-                <a:latin typeface="HY견고딕"/>
-                <a:ea typeface="HY견고딕"/>
-              </a:rPr>
-              <a:t>.</a:t>
-            </a:r>
-            <a:endParaRPr lang="en-US" altLang="ko-KR" sz="2000">
-              <a:ln w="9525">
-                <a:solidFill>
-                  <a:schemeClr val="bg1">
-                    <a:alpha val="55000"/>
-                  </a:schemeClr>
-                </a:solidFill>
-              </a:ln>
-              <a:solidFill>
-                <a:srgbClr val="10253f"/>
-              </a:solidFill>
-              <a:latin typeface="HY견고딕"/>
-              <a:ea typeface="HY견고딕"/>
-            </a:endParaRPr>
+          <a:bodyPr rtlCol="0" anchor="ctr"/>
+          <a:lstStyle/>
+          <a:p>
+            <a:pPr algn="ctr"/>
+            <a:endParaRPr lang="ko-KR" altLang="en-US"/>
           </a:p>
         </p:txBody>
       </p:sp>
@@ -10283,12 +8622,10 @@
           </a:fontRef>
         </p:style>
         <p:txBody>
-          <a:bodyPr anchor="ctr"/>
-          <a:lstStyle/>
-          <a:p>
-            <a:pPr algn="ctr">
-              <a:defRPr/>
-            </a:pPr>
+          <a:bodyPr rtlCol="0" anchor="ctr"/>
+          <a:lstStyle/>
+          <a:p>
+            <a:pPr algn="ctr"/>
             <a:endParaRPr lang="ko-KR" altLang="en-US"/>
           </a:p>
         </p:txBody>
@@ -10308,7 +8645,7 @@
             <a:avLst/>
           </a:prstGeom>
           <a:solidFill>
-            <a:srgbClr val="aa0638"/>
+            <a:srgbClr val="AA0638"/>
           </a:solidFill>
           <a:ln>
             <a:noFill/>
@@ -10331,13 +8668,84 @@
           </a:fontRef>
         </p:style>
         <p:txBody>
-          <a:bodyPr anchor="ctr"/>
-          <a:lstStyle/>
-          <a:p>
-            <a:pPr algn="ctr">
-              <a:defRPr/>
-            </a:pPr>
-            <a:endParaRPr lang="ko-KR" altLang="en-US"/>
+          <a:bodyPr rtlCol="0" anchor="ctr"/>
+          <a:lstStyle/>
+          <a:p>
+            <a:pPr algn="ctr"/>
+            <a:endParaRPr lang="ko-KR" altLang="en-US"/>
+          </a:p>
+        </p:txBody>
+      </p:sp>
+      <p:sp>
+        <p:nvSpPr>
+          <p:cNvPr id="13" name="TextBox 12"/>
+          <p:cNvSpPr txBox="1"/>
+          <p:nvPr/>
+        </p:nvSpPr>
+        <p:spPr>
+          <a:xfrm>
+            <a:off x="2714612" y="3071810"/>
+            <a:ext cx="3714776" cy="646331"/>
+          </a:xfrm>
+          <a:prstGeom prst="rect">
+            <a:avLst/>
+          </a:prstGeom>
+          <a:noFill/>
+        </p:spPr>
+        <p:txBody>
+          <a:bodyPr wrap="square" rtlCol="0">
+            <a:spAutoFit/>
+          </a:bodyPr>
+          <a:lstStyle/>
+          <a:p>
+            <a:pPr algn="ctr"/>
+            <a:r>
+              <a:rPr lang="en-US" altLang="ko-KR" sz="3600" smtClean="0">
+                <a:ln>
+                  <a:solidFill>
+                    <a:schemeClr val="bg1">
+                      <a:alpha val="55000"/>
+                    </a:schemeClr>
+                  </a:solidFill>
+                </a:ln>
+                <a:gradFill>
+                  <a:gsLst>
+                    <a:gs pos="0">
+                      <a:schemeClr val="tx1"/>
+                    </a:gs>
+                    <a:gs pos="100000">
+                      <a:srgbClr val="C00000"/>
+                    </a:gs>
+                  </a:gsLst>
+                  <a:lin ang="5400000" scaled="0"/>
+                </a:gradFill>
+                <a:latin typeface="HY견고딕" pitchFamily="18" charset="-127"/>
+                <a:ea typeface="HY견고딕" pitchFamily="18" charset="-127"/>
+              </a:rPr>
+              <a:t>THANK YOU</a:t>
+            </a:r>
+            <a:endParaRPr lang="en-US" altLang="ko-KR" sz="3600" dirty="0" smtClean="0">
+              <a:ln>
+                <a:solidFill>
+                  <a:schemeClr val="bg1">
+                    <a:alpha val="55000"/>
+                  </a:schemeClr>
+                </a:solidFill>
+              </a:ln>
+              <a:gradFill>
+                <a:gsLst>
+                  <a:gs pos="0">
+                    <a:schemeClr val="tx1"/>
+                  </a:gs>
+                  <a:gs pos="100000">
+                    <a:srgbClr val="C00000"/>
+                  </a:gs>
+                </a:gsLst>
+                <a:lin ang="5400000" scaled="0"/>
+              </a:gradFill>
+              <a:latin typeface="HY견고딕" pitchFamily="18" charset="-127"/>
+              <a:ea typeface="HY견고딕" pitchFamily="18" charset="-127"/>
+            </a:endParaRPr>
           </a:p>
         </p:txBody>
       </p:sp>
@@ -10349,14 +8757,14 @@
         </p:nvSpPr>
         <p:spPr>
           <a:xfrm>
-            <a:off x="571472" y="2000240"/>
-            <a:ext cx="142876" cy="142876"/>
+            <a:off x="2714612" y="3214686"/>
+            <a:ext cx="144000" cy="142876"/>
           </a:xfrm>
           <a:prstGeom prst="ellipse">
             <a:avLst/>
           </a:prstGeom>
           <a:solidFill>
-            <a:srgbClr val="aa0638"/>
+            <a:srgbClr val="AA0638"/>
           </a:solidFill>
           <a:ln>
             <a:noFill/>
@@ -10386,616 +8794,30 @@
           </a:fontRef>
         </p:style>
         <p:txBody>
-          <a:bodyPr anchor="ctr"/>
-          <a:lstStyle/>
-          <a:p>
-            <a:pPr algn="ctr">
-              <a:defRPr/>
-            </a:pPr>
-            <a:endParaRPr lang="ko-KR" altLang="en-US"/>
-          </a:p>
-        </p:txBody>
-      </p:sp>
-    </p:spTree>
-    <p:extLst>
-      <p:ext uri="{BB962C8B-B14F-4D97-AF65-F5344CB8AC3E}">
-        <p14:creationId xmlns:p14="http://schemas.microsoft.com/office/powerpoint/2010/main" val="620259912"/>
-      </p:ext>
-    </p:extLst>
-  </p:cSld>
-  <p:clrMapOvr>
-    <a:masterClrMapping/>
-  </p:clrMapOvr>
-  <mc:AlternateContent xmlns:mc="http://schemas.openxmlformats.org/markup-compatibility/2006">
-    <mc:Choice xmlns:p14="http://schemas.microsoft.com/office/powerpoint/2010/main" Requires="p14">
-      <p:transition xmlns:mc="http://schemas.openxmlformats.org/markup-compatibility/2006" xmlns:p14="http://schemas.microsoft.com/office/powerpoint/2010/main" mc:Ignorable="p14" p14:dur="500">
-        <p:fade/>
-      </p:transition>
-    </mc:Choice>
-    <mc:Fallback>
-      <p:transition xmlns:mc="http://schemas.openxmlformats.org/markup-compatibility/2006" xmlns:hp="http://schemas.haansoft.com/office/presentation/8.0" mc:Ignorable="hp" hp:hslDur="500">
-        <p:fade/>
-      </p:transition>
-    </mc:Fallback>
-  </mc:AlternateContent>
-  <p:timing>
-    <p:tnLst>
-      <p:par>
-        <p:cTn id="1" dur="indefinite" restart="never" nodeType="tmRoot"/>
-      </p:par>
-    </p:tnLst>
-  </p:timing>
-</p:sld>
-</file>
-
-<file path=ppt/slides/slide7.xml><?xml version="1.0" encoding="utf-8"?>
-<p:sld xmlns:r="http://schemas.openxmlformats.org/officeDocument/2006/relationships" xmlns:c="http://schemas.openxmlformats.org/drawingml/2006/chart" xmlns:a="http://schemas.openxmlformats.org/drawingml/2006/main" xmlns:dgm="http://schemas.openxmlformats.org/drawingml/2006/diagram" xmlns:dsp="http://schemas.microsoft.com/office/drawing/2008/diagram" xmlns:p="http://schemas.openxmlformats.org/presentationml/2006/main">
-  <p:cSld>
-    <p:spTree>
-      <p:nvGrpSpPr>
-        <p:cNvPr id="1" name=""/>
-        <p:cNvGrpSpPr/>
-        <p:nvPr/>
-      </p:nvGrpSpPr>
-      <p:grpSpPr>
-        <a:xfrm>
-          <a:off x="0" y="0"/>
-          <a:ext cx="0" cy="0"/>
-          <a:chOff x="0" y="0"/>
-          <a:chExt cx="0" cy="0"/>
-        </a:xfrm>
-      </p:grpSpPr>
-      <p:sp>
-        <p:nvSpPr>
-          <p:cNvPr id="53" name="직사각형 52"/>
+          <a:bodyPr rtlCol="0" anchor="ctr"/>
+          <a:lstStyle/>
+          <a:p>
+            <a:pPr algn="ctr"/>
+            <a:endParaRPr lang="ko-KR" altLang="en-US" sz="3200"/>
+          </a:p>
+        </p:txBody>
+      </p:sp>
+      <p:sp>
+        <p:nvSpPr>
+          <p:cNvPr id="14" name="타원 13"/>
           <p:cNvSpPr/>
           <p:nvPr/>
         </p:nvSpPr>
         <p:spPr>
           <a:xfrm>
-            <a:off x="0" y="6419850"/>
-            <a:ext cx="9144000" cy="438150"/>
-          </a:xfrm>
-          <a:prstGeom prst="rect">
-            <a:avLst/>
-          </a:prstGeom>
-          <a:solidFill>
-            <a:srgbClr val="aa0638"/>
-          </a:solidFill>
-          <a:ln>
-            <a:noFill/>
-          </a:ln>
-          <a:effectLst>
-            <a:outerShdw blurRad="50800" dist="38100" dir="16200000" rotWithShape="0">
-              <a:prstClr val="black">
-                <a:alpha val="40000"/>
-              </a:prstClr>
-            </a:outerShdw>
-          </a:effectLst>
-        </p:spPr>
-        <p:style>
-          <a:lnRef idx="2">
-            <a:schemeClr val="accent1">
-              <a:shade val="50000"/>
-            </a:schemeClr>
-          </a:lnRef>
-          <a:fillRef idx="1">
-            <a:schemeClr val="accent1"/>
-          </a:fillRef>
-          <a:effectRef idx="0">
-            <a:schemeClr val="accent1"/>
-          </a:effectRef>
-          <a:fontRef idx="minor">
-            <a:schemeClr val="lt1"/>
-          </a:fontRef>
-        </p:style>
-        <p:txBody>
-          <a:bodyPr anchor="ctr"/>
-          <a:lstStyle/>
-          <a:p>
-            <a:pPr algn="ctr">
-              <a:defRPr/>
-            </a:pPr>
-            <a:endParaRPr lang="ko-KR" altLang="en-US"/>
-          </a:p>
-        </p:txBody>
-      </p:sp>
-      <p:sp>
-        <p:nvSpPr>
-          <p:cNvPr id="22" name="직사각형 21"/>
-          <p:cNvSpPr/>
-          <p:nvPr/>
-        </p:nvSpPr>
-        <p:spPr>
-          <a:xfrm>
-            <a:off x="428595" y="737216"/>
-            <a:ext cx="5377844" cy="908704"/>
-          </a:xfrm>
-          <a:prstGeom prst="rect">
-            <a:avLst/>
-          </a:prstGeom>
-          <a:effectLst/>
-        </p:spPr>
-        <p:txBody>
-          <a:bodyPr wrap="none">
-            <a:spAutoFit/>
-          </a:bodyPr>
-          <a:lstStyle/>
-          <a:p>
-            <a:pPr lvl="0">
-              <a:defRPr/>
-            </a:pPr>
-            <a:r>
-              <a:rPr xmlns:mc="http://schemas.openxmlformats.org/markup-compatibility/2006" xmlns:hp="http://schemas.haansoft.com/office/presentation/8.0" lang="ko-KR" altLang="en-US" sz="5400" b="1" mc:Ignorable="hp" hp:hslEmbossed="0">
-                <a:ln w="9525">
-                  <a:solidFill>
-                    <a:schemeClr val="bg1">
-                      <a:alpha val="55000"/>
-                    </a:schemeClr>
-                  </a:solidFill>
-                </a:ln>
-                <a:solidFill>
-                  <a:srgbClr val="10253f"/>
-                </a:solidFill>
-                <a:effectLst>
-                  <a:outerShdw blurRad="38100" dist="38100" dir="2700000" algn="tl">
-                    <a:srgbClr val="000000">
-                      <a:alpha val="43140"/>
-                    </a:srgbClr>
-                  </a:outerShdw>
-                </a:effectLst>
-                <a:latin typeface="HY견고딕"/>
-                <a:ea typeface="HY견고딕"/>
-              </a:rPr>
-              <a:t>배열의 길이 수정</a:t>
-            </a:r>
-            <a:endParaRPr xmlns:mc="http://schemas.openxmlformats.org/markup-compatibility/2006" xmlns:hp="http://schemas.haansoft.com/office/presentation/8.0" lang="ko-KR" altLang="en-US" sz="5400" b="1" mc:Ignorable="hp" hp:hslEmbossed="0">
-              <a:ln w="9525">
-                <a:solidFill>
-                  <a:schemeClr val="bg1">
-                    <a:alpha val="55000"/>
-                  </a:schemeClr>
-                </a:solidFill>
-              </a:ln>
-              <a:solidFill>
-                <a:srgbClr val="10253f"/>
-              </a:solidFill>
-              <a:effectLst>
-                <a:outerShdw blurRad="38100" dist="38100" dir="2700000" algn="tl">
-                  <a:srgbClr val="000000">
-                    <a:alpha val="43140"/>
-                  </a:srgbClr>
-                </a:outerShdw>
-              </a:effectLst>
-              <a:latin typeface="HY견고딕"/>
-              <a:ea typeface="HY견고딕"/>
-            </a:endParaRPr>
-          </a:p>
-        </p:txBody>
-      </p:sp>
-      <p:sp>
-        <p:nvSpPr>
-          <p:cNvPr id="13" name="TextBox 12"/>
-          <p:cNvSpPr txBox="1"/>
-          <p:nvPr/>
-        </p:nvSpPr>
-        <p:spPr>
-          <a:xfrm>
-            <a:off x="785786" y="1857364"/>
-            <a:ext cx="7602638" cy="1760231"/>
-          </a:xfrm>
-          <a:prstGeom prst="rect">
-            <a:avLst/>
-          </a:prstGeom>
-          <a:noFill/>
-        </p:spPr>
-        <p:txBody>
-          <a:bodyPr wrap="square">
-            <a:spAutoFit/>
-          </a:bodyPr>
-          <a:lstStyle/>
-          <a:p>
-            <a:pPr marL="0" indent="0">
-              <a:buFontTx/>
-              <a:buNone/>
-              <a:defRPr/>
-            </a:pPr>
-            <a:r>
-              <a:rPr lang="ko-KR" altLang="en-US" sz="3000">
-                <a:ln w="9525">
-                  <a:solidFill>
-                    <a:schemeClr val="bg1">
-                      <a:alpha val="55000"/>
-                    </a:schemeClr>
-                  </a:solidFill>
-                </a:ln>
-                <a:solidFill>
-                  <a:srgbClr val="ef0b6d"/>
-                </a:solidFill>
-                <a:latin typeface="HY견고딕"/>
-                <a:ea typeface="HY견고딕"/>
-              </a:rPr>
-              <a:t>동적할당</a:t>
-            </a:r>
-            <a:endParaRPr lang="en-US" altLang="ko-KR" sz="2000">
-              <a:ln w="9525">
-                <a:solidFill>
-                  <a:schemeClr val="bg1">
-                    <a:alpha val="55000"/>
-                  </a:schemeClr>
-                </a:solidFill>
-              </a:ln>
-              <a:solidFill>
-                <a:srgbClr val="10253f"/>
-              </a:solidFill>
-              <a:latin typeface="HY견고딕"/>
-              <a:ea typeface="HY견고딕"/>
-            </a:endParaRPr>
-          </a:p>
-          <a:p>
-            <a:pPr marL="0" indent="0">
-              <a:buFontTx/>
-              <a:buNone/>
-              <a:defRPr/>
-            </a:pPr>
-            <a:r>
-              <a:rPr lang="en-US" altLang="ko-KR" sz="2000">
-                <a:ln w="9525">
-                  <a:solidFill>
-                    <a:schemeClr val="bg1">
-                      <a:alpha val="55000"/>
-                    </a:schemeClr>
-                  </a:solidFill>
-                </a:ln>
-                <a:solidFill>
-                  <a:srgbClr val="10253f"/>
-                </a:solidFill>
-                <a:latin typeface="HY견고딕"/>
-                <a:ea typeface="HY견고딕"/>
-              </a:rPr>
-              <a:t>-</a:t>
-            </a:r>
-            <a:r>
-              <a:rPr lang="ko-KR" altLang="en-US" sz="2000">
-                <a:ln w="9525">
-                  <a:solidFill>
-                    <a:schemeClr val="bg1">
-                      <a:alpha val="55000"/>
-                    </a:schemeClr>
-                  </a:solidFill>
-                </a:ln>
-                <a:solidFill>
-                  <a:srgbClr val="10253f"/>
-                </a:solidFill>
-                <a:latin typeface="HY견고딕"/>
-                <a:ea typeface="HY견고딕"/>
-              </a:rPr>
-              <a:t> 프로그램 실행 중 동적으로 메모리를 할당하는 것</a:t>
-            </a:r>
-            <a:r>
-              <a:rPr lang="en-US" altLang="ko-KR" sz="2000">
-                <a:ln w="9525">
-                  <a:solidFill>
-                    <a:schemeClr val="bg1">
-                      <a:alpha val="55000"/>
-                    </a:schemeClr>
-                  </a:solidFill>
-                </a:ln>
-                <a:solidFill>
-                  <a:srgbClr val="10253f"/>
-                </a:solidFill>
-                <a:latin typeface="HY견고딕"/>
-                <a:ea typeface="HY견고딕"/>
-              </a:rPr>
-              <a:t>.</a:t>
-            </a:r>
-            <a:endParaRPr lang="en-US" altLang="ko-KR" sz="2000">
-              <a:ln w="9525">
-                <a:solidFill>
-                  <a:schemeClr val="bg1">
-                    <a:alpha val="55000"/>
-                  </a:schemeClr>
-                </a:solidFill>
-              </a:ln>
-              <a:solidFill>
-                <a:srgbClr val="10253f"/>
-              </a:solidFill>
-              <a:latin typeface="HY견고딕"/>
-              <a:ea typeface="HY견고딕"/>
-            </a:endParaRPr>
-          </a:p>
-          <a:p>
-            <a:pPr marL="0" indent="0">
-              <a:buFontTx/>
-              <a:buNone/>
-              <a:defRPr/>
-            </a:pPr>
-            <a:r>
-              <a:rPr lang="en-US" altLang="ko-KR" sz="2000">
-                <a:ln w="9525">
-                  <a:solidFill>
-                    <a:schemeClr val="bg1">
-                      <a:alpha val="55000"/>
-                    </a:schemeClr>
-                  </a:solidFill>
-                </a:ln>
-                <a:solidFill>
-                  <a:srgbClr val="10253f"/>
-                </a:solidFill>
-                <a:latin typeface="HY견고딕"/>
-                <a:ea typeface="HY견고딕"/>
-              </a:rPr>
-              <a:t>-</a:t>
-            </a:r>
-            <a:r>
-              <a:rPr lang="ko-KR" altLang="en-US" sz="2000">
-                <a:ln w="9525">
-                  <a:solidFill>
-                    <a:schemeClr val="bg1">
-                      <a:alpha val="55000"/>
-                    </a:schemeClr>
-                  </a:solidFill>
-                </a:ln>
-                <a:solidFill>
-                  <a:srgbClr val="10253f"/>
-                </a:solidFill>
-                <a:latin typeface="HY견고딕"/>
-                <a:ea typeface="HY견고딕"/>
-              </a:rPr>
-              <a:t> 상황에 따라 원하는 크기만큼의 메모리가 할당되어 경제적이며</a:t>
-            </a:r>
-            <a:r>
-              <a:rPr lang="en-US" altLang="ko-KR" sz="2000">
-                <a:ln w="9525">
-                  <a:solidFill>
-                    <a:schemeClr val="bg1">
-                      <a:alpha val="55000"/>
-                    </a:schemeClr>
-                  </a:solidFill>
-                </a:ln>
-                <a:solidFill>
-                  <a:srgbClr val="10253f"/>
-                </a:solidFill>
-                <a:latin typeface="HY견고딕"/>
-                <a:ea typeface="HY견고딕"/>
-              </a:rPr>
-              <a:t>,</a:t>
-            </a:r>
-            <a:r>
-              <a:rPr lang="ko-KR" altLang="en-US" sz="2000">
-                <a:ln w="9525">
-                  <a:solidFill>
-                    <a:schemeClr val="bg1">
-                      <a:alpha val="55000"/>
-                    </a:schemeClr>
-                  </a:solidFill>
-                </a:ln>
-                <a:solidFill>
-                  <a:srgbClr val="10253f"/>
-                </a:solidFill>
-                <a:latin typeface="HY견고딕"/>
-                <a:ea typeface="HY견고딕"/>
-              </a:rPr>
-              <a:t> 이미 할당된 메모리라도 언제든 크기를 조절할 수 있음</a:t>
-            </a:r>
-            <a:r>
-              <a:rPr lang="en-US" altLang="ko-KR" sz="2000">
-                <a:ln w="9525">
-                  <a:solidFill>
-                    <a:schemeClr val="bg1">
-                      <a:alpha val="55000"/>
-                    </a:schemeClr>
-                  </a:solidFill>
-                </a:ln>
-                <a:solidFill>
-                  <a:srgbClr val="10253f"/>
-                </a:solidFill>
-                <a:latin typeface="HY견고딕"/>
-                <a:ea typeface="HY견고딕"/>
-              </a:rPr>
-              <a:t>.</a:t>
-            </a:r>
-            <a:endParaRPr lang="en-US" altLang="ko-KR" sz="2000">
-              <a:ln w="9525">
-                <a:solidFill>
-                  <a:schemeClr val="bg1">
-                    <a:alpha val="55000"/>
-                  </a:schemeClr>
-                </a:solidFill>
-              </a:ln>
-              <a:solidFill>
-                <a:srgbClr val="10253f"/>
-              </a:solidFill>
-              <a:latin typeface="HY견고딕"/>
-              <a:ea typeface="HY견고딕"/>
-            </a:endParaRPr>
-          </a:p>
-          <a:p>
-            <a:pPr marL="0" indent="0">
-              <a:buFontTx/>
-              <a:buNone/>
-              <a:defRPr/>
-            </a:pPr>
-            <a:r>
-              <a:rPr lang="en-US" altLang="ko-KR" sz="2000">
-                <a:ln w="9525">
-                  <a:solidFill>
-                    <a:schemeClr val="bg1">
-                      <a:alpha val="55000"/>
-                    </a:schemeClr>
-                  </a:solidFill>
-                </a:ln>
-                <a:solidFill>
-                  <a:srgbClr val="10253f"/>
-                </a:solidFill>
-                <a:latin typeface="HY견고딕"/>
-                <a:ea typeface="HY견고딕"/>
-              </a:rPr>
-              <a:t>-</a:t>
-            </a:r>
-            <a:r>
-              <a:rPr lang="ko-KR" altLang="en-US" sz="2000">
-                <a:ln w="9525">
-                  <a:solidFill>
-                    <a:schemeClr val="bg1">
-                      <a:alpha val="55000"/>
-                    </a:schemeClr>
-                  </a:solidFill>
-                </a:ln>
-                <a:solidFill>
-                  <a:srgbClr val="10253f"/>
-                </a:solidFill>
-                <a:latin typeface="HY견고딕"/>
-                <a:ea typeface="HY견고딕"/>
-              </a:rPr>
-              <a:t> 하지만 사용하지 않을 때 명시적으로 해제해주어야 함</a:t>
-            </a:r>
-            <a:r>
-              <a:rPr lang="en-US" altLang="ko-KR" sz="2000">
-                <a:ln w="9525">
-                  <a:solidFill>
-                    <a:schemeClr val="bg1">
-                      <a:alpha val="55000"/>
-                    </a:schemeClr>
-                  </a:solidFill>
-                </a:ln>
-                <a:solidFill>
-                  <a:srgbClr val="10253f"/>
-                </a:solidFill>
-                <a:latin typeface="HY견고딕"/>
-                <a:ea typeface="HY견고딕"/>
-              </a:rPr>
-              <a:t>.</a:t>
-            </a:r>
-            <a:endParaRPr lang="en-US" altLang="ko-KR" sz="2000">
-              <a:ln w="9525">
-                <a:solidFill>
-                  <a:schemeClr val="bg1">
-                    <a:alpha val="55000"/>
-                  </a:schemeClr>
-                </a:solidFill>
-              </a:ln>
-              <a:solidFill>
-                <a:srgbClr val="10253f"/>
-              </a:solidFill>
-              <a:latin typeface="HY견고딕"/>
-              <a:ea typeface="HY견고딕"/>
-            </a:endParaRPr>
-          </a:p>
-        </p:txBody>
-      </p:sp>
-      <p:sp>
-        <p:nvSpPr>
-          <p:cNvPr id="10" name="직사각형 9"/>
-          <p:cNvSpPr/>
-          <p:nvPr/>
-        </p:nvSpPr>
-        <p:spPr>
-          <a:xfrm>
-            <a:off x="0" y="0"/>
-            <a:ext cx="9144000" cy="571480"/>
-          </a:xfrm>
-          <a:prstGeom prst="rect">
-            <a:avLst/>
-          </a:prstGeom>
-          <a:solidFill>
-            <a:schemeClr val="tx1"/>
-          </a:solidFill>
-          <a:ln>
-            <a:noFill/>
-          </a:ln>
-        </p:spPr>
-        <p:style>
-          <a:lnRef idx="2">
-            <a:schemeClr val="accent1">
-              <a:shade val="50000"/>
-            </a:schemeClr>
-          </a:lnRef>
-          <a:fillRef idx="1">
-            <a:schemeClr val="accent1"/>
-          </a:fillRef>
-          <a:effectRef idx="0">
-            <a:schemeClr val="accent1"/>
-          </a:effectRef>
-          <a:fontRef idx="minor">
-            <a:schemeClr val="lt1"/>
-          </a:fontRef>
-        </p:style>
-        <p:txBody>
-          <a:bodyPr anchor="ctr"/>
-          <a:lstStyle/>
-          <a:p>
-            <a:pPr algn="ctr">
-              <a:defRPr/>
-            </a:pPr>
-            <a:endParaRPr lang="ko-KR" altLang="en-US"/>
-          </a:p>
-        </p:txBody>
-      </p:sp>
-      <p:sp>
-        <p:nvSpPr>
-          <p:cNvPr id="23" name="직사각형 22"/>
-          <p:cNvSpPr/>
-          <p:nvPr/>
-        </p:nvSpPr>
-        <p:spPr>
-          <a:xfrm>
-            <a:off x="0" y="525760"/>
-            <a:ext cx="9144000" cy="45720"/>
-          </a:xfrm>
-          <a:prstGeom prst="rect">
-            <a:avLst/>
-          </a:prstGeom>
-          <a:solidFill>
-            <a:srgbClr val="aa0638"/>
-          </a:solidFill>
-          <a:ln>
-            <a:noFill/>
-          </a:ln>
-        </p:spPr>
-        <p:style>
-          <a:lnRef idx="2">
-            <a:schemeClr val="accent1">
-              <a:shade val="50000"/>
-            </a:schemeClr>
-          </a:lnRef>
-          <a:fillRef idx="1">
-            <a:schemeClr val="accent1"/>
-          </a:fillRef>
-          <a:effectRef idx="0">
-            <a:schemeClr val="accent1"/>
-          </a:effectRef>
-          <a:fontRef idx="minor">
-            <a:schemeClr val="lt1"/>
-          </a:fontRef>
-        </p:style>
-        <p:txBody>
-          <a:bodyPr anchor="ctr"/>
-          <a:lstStyle/>
-          <a:p>
-            <a:pPr algn="ctr">
-              <a:defRPr/>
-            </a:pPr>
-            <a:endParaRPr lang="ko-KR" altLang="en-US"/>
-          </a:p>
-        </p:txBody>
-      </p:sp>
-      <p:sp>
-        <p:nvSpPr>
-          <p:cNvPr id="11" name="타원 10"/>
-          <p:cNvSpPr/>
-          <p:nvPr/>
-        </p:nvSpPr>
-        <p:spPr>
-          <a:xfrm>
-            <a:off x="571472" y="2000240"/>
-            <a:ext cx="142876" cy="142876"/>
+            <a:off x="6215074" y="3214686"/>
+            <a:ext cx="144000" cy="142876"/>
           </a:xfrm>
           <a:prstGeom prst="ellipse">
             <a:avLst/>
           </a:prstGeom>
           <a:solidFill>
-            <a:srgbClr val="aa0638"/>
+            <a:srgbClr val="AA0638"/>
           </a:solidFill>
           <a:ln>
             <a:noFill/>
@@ -11025,2432 +8847,22 @@
           </a:fontRef>
         </p:style>
         <p:txBody>
-          <a:bodyPr anchor="ctr"/>
-          <a:lstStyle/>
-          <a:p>
-            <a:pPr algn="ctr">
-              <a:defRPr/>
-            </a:pPr>
-            <a:endParaRPr lang="ko-KR" altLang="en-US"/>
-          </a:p>
-        </p:txBody>
-      </p:sp>
-      <p:graphicFrame>
-        <p:nvGraphicFramePr>
-          <p:cNvPr id="55" name=""/>
-          <p:cNvGraphicFramePr>
-            <a:graphicFrameLocks noGrp="1"/>
-          </p:cNvGraphicFramePr>
-          <p:nvPr/>
-        </p:nvGraphicFramePr>
-        <p:xfrm>
-          <a:off x="254732" y="3933056"/>
-          <a:ext cx="8634536" cy="1854200"/>
-        </p:xfrm>
-        <a:graphic>
-          <a:graphicData uri="http://schemas.openxmlformats.org/drawingml/2006/table">
-            <a:tbl>
-              <a:tblPr firstRow="1" bandRow="1">
-                <a:tableStyleId>{729D6073-5DEC-478E-BFBB-120F47F47B7E}</a:tableStyleId>
-              </a:tblPr>
-              <a:tblGrid>
-                <a:gridCol w="3741204"/>
-                <a:gridCol w="4893332"/>
-              </a:tblGrid>
-              <a:tr h="370840">
-                <a:tc>
-                  <a:txBody>
-                    <a:bodyPr vert="horz" wrap="square" lIns="91440" tIns="45720" rIns="91440" bIns="45720" anchor="t" anchorCtr="0">
-                      <a:spAutoFit/>
-                    </a:bodyPr>
-                    <a:p>
-                      <a:pPr algn="ctr">
-                        <a:defRPr/>
-                      </a:pPr>
-                      <a:r>
-                        <a:rPr lang="ko-KR" altLang="en-US">
-                          <a:latin typeface="함초롬바탕"/>
-                          <a:ea typeface="함초롬바탕"/>
-                          <a:cs typeface="함초롬바탕"/>
-                        </a:rPr>
-                        <a:t>함수</a:t>
-                      </a:r>
-                      <a:endParaRPr lang="ko-KR" altLang="en-US">
-                        <a:latin typeface="함초롬바탕"/>
-                        <a:ea typeface="함초롬바탕"/>
-                        <a:cs typeface="함초롬바탕"/>
-                      </a:endParaRPr>
-                    </a:p>
-                  </a:txBody>
-                  <a:tcPr marL="91440" marR="91440">
-                    <a:lnR w="12700" cap="flat" cmpd="sng" algn="ctr">
-                      <a:solidFill>
-                        <a:schemeClr val="tx1"/>
-                      </a:solidFill>
-                      <a:prstDash val="solid"/>
-                      <a:round/>
-                      <a:headEnd w="med" len="med"/>
-                      <a:tailEnd w="med" len="med"/>
-                    </a:lnR>
-                    <a:lnB w="12700" cap="flat" cmpd="sng" algn="ctr">
-                      <a:solidFill>
-                        <a:schemeClr val="tx1"/>
-                      </a:solidFill>
-                      <a:prstDash val="solid"/>
-                      <a:round/>
-                      <a:headEnd w="med" len="med"/>
-                      <a:tailEnd w="med" len="med"/>
-                    </a:lnB>
-                  </a:tcPr>
-                </a:tc>
-                <a:tc>
-                  <a:txBody>
-                    <a:bodyPr vert="horz" wrap="square" lIns="91440" tIns="45720" rIns="91440" bIns="45720" anchor="t" anchorCtr="0">
-                      <a:spAutoFit/>
-                    </a:bodyPr>
-                    <a:p>
-                      <a:pPr algn="ctr">
-                        <a:defRPr/>
-                      </a:pPr>
-                      <a:r>
-                        <a:rPr lang="ko-KR" altLang="en-US">
-                          <a:latin typeface="함초롬바탕"/>
-                          <a:ea typeface="함초롬바탕"/>
-                          <a:cs typeface="함초롬바탕"/>
-                        </a:rPr>
-                        <a:t>기능</a:t>
-                      </a:r>
-                      <a:endParaRPr lang="ko-KR" altLang="en-US">
-                        <a:latin typeface="함초롬바탕"/>
-                        <a:ea typeface="함초롬바탕"/>
-                        <a:cs typeface="함초롬바탕"/>
-                      </a:endParaRPr>
-                    </a:p>
-                  </a:txBody>
-                  <a:tcPr marL="91440" marR="91440">
-                    <a:lnL w="12700" cap="flat" cmpd="sng" algn="ctr">
-                      <a:solidFill>
-                        <a:schemeClr val="tx1"/>
-                      </a:solidFill>
-                      <a:prstDash val="solid"/>
-                      <a:round/>
-                      <a:headEnd w="med" len="med"/>
-                      <a:tailEnd w="med" len="med"/>
-                    </a:lnL>
-                    <a:lnB w="12700" cap="flat" cmpd="sng" algn="ctr">
-                      <a:solidFill>
-                        <a:schemeClr val="tx1"/>
-                      </a:solidFill>
-                      <a:prstDash val="solid"/>
-                      <a:round/>
-                      <a:headEnd w="med" len="med"/>
-                      <a:tailEnd w="med" len="med"/>
-                    </a:lnB>
-                  </a:tcPr>
-                </a:tc>
-              </a:tr>
-              <a:tr h="370840">
-                <a:tc>
-                  <a:txBody>
-                    <a:bodyPr vert="horz" wrap="square" lIns="91440" tIns="45720" rIns="91440" bIns="45720" anchor="t" anchorCtr="0">
-                      <a:spAutoFit/>
-                    </a:bodyPr>
-                    <a:p>
-                      <a:pPr>
-                        <a:defRPr/>
-                      </a:pPr>
-                      <a:r>
-                        <a:rPr lang="en-US" altLang="ko-KR" sz="1500">
-                          <a:latin typeface="함초롬바탕"/>
-                          <a:ea typeface="함초롬바탕"/>
-                          <a:cs typeface="함초롬바탕"/>
-                        </a:rPr>
-                        <a:t>void * malloc ( size_t size );</a:t>
-                      </a:r>
-                      <a:endParaRPr lang="en-US" altLang="ko-KR" sz="1500">
-                        <a:latin typeface="함초롬바탕"/>
-                        <a:ea typeface="함초롬바탕"/>
-                        <a:cs typeface="함초롬바탕"/>
-                      </a:endParaRPr>
-                    </a:p>
-                  </a:txBody>
-                  <a:tcPr marL="91440" marR="91440">
-                    <a:lnR w="12700" cap="flat" cmpd="sng" algn="ctr">
-                      <a:solidFill>
-                        <a:schemeClr val="tx1"/>
-                      </a:solidFill>
-                      <a:prstDash val="solid"/>
-                      <a:round/>
-                      <a:headEnd w="med" len="med"/>
-                      <a:tailEnd w="med" len="med"/>
-                    </a:lnR>
-                    <a:lnT w="12700" cap="flat" cmpd="sng" algn="ctr">
-                      <a:solidFill>
-                        <a:schemeClr val="tx1"/>
-                      </a:solidFill>
-                      <a:prstDash val="solid"/>
-                      <a:round/>
-                      <a:headEnd w="med" len="med"/>
-                      <a:tailEnd w="med" len="med"/>
-                    </a:lnT>
-                    <a:lnB w="12700" cap="flat" cmpd="sng" algn="ctr">
-                      <a:solidFill>
-                        <a:schemeClr val="tx1"/>
-                      </a:solidFill>
-                      <a:prstDash val="solid"/>
-                      <a:round/>
-                      <a:headEnd w="med" len="med"/>
-                      <a:tailEnd w="med" len="med"/>
-                    </a:lnB>
-                  </a:tcPr>
-                </a:tc>
-                <a:tc>
-                  <a:txBody>
-                    <a:bodyPr vert="horz" wrap="square" lIns="91440" tIns="45720" rIns="91440" bIns="45720" anchor="t" anchorCtr="0">
-                      <a:spAutoFit/>
-                    </a:bodyPr>
-                    <a:p>
-                      <a:pPr>
-                        <a:defRPr/>
-                      </a:pPr>
-                      <a:r>
-                        <a:rPr lang="en-US" altLang="ko-KR" sz="1500">
-                          <a:latin typeface="함초롬바탕"/>
-                          <a:ea typeface="함초롬바탕"/>
-                          <a:cs typeface="함초롬바탕"/>
-                        </a:rPr>
-                        <a:t>size</a:t>
-                      </a:r>
-                      <a:r>
-                        <a:rPr lang="ko-KR" altLang="en-US" sz="1500">
-                          <a:latin typeface="함초롬바탕"/>
-                          <a:ea typeface="함초롬바탕"/>
-                          <a:cs typeface="함초롬바탕"/>
-                        </a:rPr>
-                        <a:t>의 메모리를 힙에서 할당하여 반환</a:t>
-                      </a:r>
-                      <a:endParaRPr lang="ko-KR" altLang="en-US" sz="1500">
-                        <a:latin typeface="함초롬바탕"/>
-                        <a:ea typeface="함초롬바탕"/>
-                        <a:cs typeface="함초롬바탕"/>
-                      </a:endParaRPr>
-                    </a:p>
-                  </a:txBody>
-                  <a:tcPr marL="91440" marR="91440">
-                    <a:lnL w="12700" cap="flat" cmpd="sng" algn="ctr">
-                      <a:solidFill>
-                        <a:schemeClr val="tx1"/>
-                      </a:solidFill>
-                      <a:prstDash val="solid"/>
-                      <a:round/>
-                      <a:headEnd w="med" len="med"/>
-                      <a:tailEnd w="med" len="med"/>
-                    </a:lnL>
-                    <a:lnT w="12700" cap="flat" cmpd="sng" algn="ctr">
-                      <a:solidFill>
-                        <a:schemeClr val="tx1"/>
-                      </a:solidFill>
-                      <a:prstDash val="solid"/>
-                      <a:round/>
-                      <a:headEnd w="med" len="med"/>
-                      <a:tailEnd w="med" len="med"/>
-                    </a:lnT>
-                    <a:lnB w="12700" cap="flat" cmpd="sng" algn="ctr">
-                      <a:solidFill>
-                        <a:schemeClr val="tx1"/>
-                      </a:solidFill>
-                      <a:prstDash val="solid"/>
-                      <a:round/>
-                      <a:headEnd w="med" len="med"/>
-                      <a:tailEnd w="med" len="med"/>
-                    </a:lnB>
-                  </a:tcPr>
-                </a:tc>
-              </a:tr>
-              <a:tr h="370840">
-                <a:tc>
-                  <a:txBody>
-                    <a:bodyPr vert="horz" wrap="square" lIns="91440" tIns="45720" rIns="91440" bIns="45720" anchor="t" anchorCtr="0">
-                      <a:spAutoFit/>
-                    </a:bodyPr>
-                    <a:p>
-                      <a:pPr>
-                        <a:defRPr/>
-                      </a:pPr>
-                      <a:r>
-                        <a:rPr lang="en-US" altLang="ko-KR" sz="1500">
-                          <a:latin typeface="함초롬바탕"/>
-                          <a:ea typeface="함초롬바탕"/>
-                          <a:cs typeface="함초롬바탕"/>
-                        </a:rPr>
-                        <a:t>void * calloc ( size_t num, size_t size );</a:t>
-                      </a:r>
-                      <a:endParaRPr lang="en-US" altLang="ko-KR" sz="1500">
-                        <a:latin typeface="함초롬바탕"/>
-                        <a:ea typeface="함초롬바탕"/>
-                        <a:cs typeface="함초롬바탕"/>
-                      </a:endParaRPr>
-                    </a:p>
-                  </a:txBody>
-                  <a:tcPr marL="91440" marR="91440">
-                    <a:lnR w="12700" cap="flat" cmpd="sng" algn="ctr">
-                      <a:solidFill>
-                        <a:schemeClr val="tx1"/>
-                      </a:solidFill>
-                      <a:prstDash val="solid"/>
-                      <a:round/>
-                      <a:headEnd w="med" len="med"/>
-                      <a:tailEnd w="med" len="med"/>
-                    </a:lnR>
-                    <a:lnT w="12700" cap="flat" cmpd="sng" algn="ctr">
-                      <a:solidFill>
-                        <a:schemeClr val="tx1"/>
-                      </a:solidFill>
-                      <a:prstDash val="solid"/>
-                      <a:round/>
-                      <a:headEnd w="med" len="med"/>
-                      <a:tailEnd w="med" len="med"/>
-                    </a:lnT>
-                    <a:lnB w="12700" cap="flat" cmpd="sng" algn="ctr">
-                      <a:solidFill>
-                        <a:schemeClr val="tx1"/>
-                      </a:solidFill>
-                      <a:prstDash val="solid"/>
-                      <a:round/>
-                      <a:headEnd w="med" len="med"/>
-                      <a:tailEnd w="med" len="med"/>
-                    </a:lnB>
-                  </a:tcPr>
-                </a:tc>
-                <a:tc>
-                  <a:txBody>
-                    <a:bodyPr vert="horz" wrap="square" lIns="91440" tIns="45720" rIns="91440" bIns="45720" anchor="t" anchorCtr="0">
-                      <a:spAutoFit/>
-                    </a:bodyPr>
-                    <a:p>
-                      <a:pPr>
-                        <a:defRPr/>
-                      </a:pPr>
-                      <a:r>
-                        <a:rPr lang="en-US" altLang="ko-KR" sz="1500">
-                          <a:latin typeface="함초롬바탕"/>
-                          <a:ea typeface="함초롬바탕"/>
-                          <a:cs typeface="함초롬바탕"/>
-                        </a:rPr>
-                        <a:t>num * size</a:t>
-                      </a:r>
-                      <a:r>
-                        <a:rPr lang="ko-KR" altLang="en-US" sz="1500">
-                          <a:latin typeface="함초롬바탕"/>
-                          <a:ea typeface="함초롬바탕"/>
-                          <a:cs typeface="함초롬바탕"/>
-                        </a:rPr>
-                        <a:t>의 메모리를 힙에서 할당하고 포인터값 반환</a:t>
-                      </a:r>
-                      <a:endParaRPr lang="ko-KR" altLang="en-US" sz="1500">
-                        <a:latin typeface="함초롬바탕"/>
-                        <a:ea typeface="함초롬바탕"/>
-                        <a:cs typeface="함초롬바탕"/>
-                      </a:endParaRPr>
-                    </a:p>
-                  </a:txBody>
-                  <a:tcPr marL="91440" marR="91440">
-                    <a:lnL w="12700" cap="flat" cmpd="sng" algn="ctr">
-                      <a:solidFill>
-                        <a:schemeClr val="tx1"/>
-                      </a:solidFill>
-                      <a:prstDash val="solid"/>
-                      <a:round/>
-                      <a:headEnd w="med" len="med"/>
-                      <a:tailEnd w="med" len="med"/>
-                    </a:lnL>
-                    <a:lnT w="12700" cap="flat" cmpd="sng" algn="ctr">
-                      <a:solidFill>
-                        <a:schemeClr val="tx1"/>
-                      </a:solidFill>
-                      <a:prstDash val="solid"/>
-                      <a:round/>
-                      <a:headEnd w="med" len="med"/>
-                      <a:tailEnd w="med" len="med"/>
-                    </a:lnT>
-                    <a:lnB w="12700" cap="flat" cmpd="sng" algn="ctr">
-                      <a:solidFill>
-                        <a:schemeClr val="tx1"/>
-                      </a:solidFill>
-                      <a:prstDash val="solid"/>
-                      <a:round/>
-                      <a:headEnd w="med" len="med"/>
-                      <a:tailEnd w="med" len="med"/>
-                    </a:lnB>
-                  </a:tcPr>
-                </a:tc>
-              </a:tr>
-              <a:tr h="370840">
-                <a:tc>
-                  <a:txBody>
-                    <a:bodyPr vert="horz" wrap="square" lIns="91440" tIns="45720" rIns="91440" bIns="45720" anchor="t" anchorCtr="0">
-                      <a:spAutoFit/>
-                    </a:bodyPr>
-                    <a:p>
-                      <a:pPr>
-                        <a:defRPr/>
-                      </a:pPr>
-                      <a:r>
-                        <a:rPr lang="en-US" altLang="ko-KR" sz="1500">
-                          <a:latin typeface="함초롬바탕"/>
-                          <a:ea typeface="함초롬바탕"/>
-                          <a:cs typeface="함초롬바탕"/>
-                        </a:rPr>
-                        <a:t>void * realloc ( void * ptr, size_t size );</a:t>
-                      </a:r>
-                      <a:endParaRPr lang="en-US" altLang="ko-KR" sz="1500">
-                        <a:latin typeface="함초롬바탕"/>
-                        <a:ea typeface="함초롬바탕"/>
-                        <a:cs typeface="함초롬바탕"/>
-                      </a:endParaRPr>
-                    </a:p>
-                  </a:txBody>
-                  <a:tcPr marL="91440" marR="91440">
-                    <a:lnR w="12700" cap="flat" cmpd="sng" algn="ctr">
-                      <a:solidFill>
-                        <a:schemeClr val="tx1"/>
-                      </a:solidFill>
-                      <a:prstDash val="solid"/>
-                      <a:round/>
-                      <a:headEnd w="med" len="med"/>
-                      <a:tailEnd w="med" len="med"/>
-                    </a:lnR>
-                    <a:lnT w="12700" cap="flat" cmpd="sng" algn="ctr">
-                      <a:solidFill>
-                        <a:schemeClr val="tx1"/>
-                      </a:solidFill>
-                      <a:prstDash val="solid"/>
-                      <a:round/>
-                      <a:headEnd w="med" len="med"/>
-                      <a:tailEnd w="med" len="med"/>
-                    </a:lnT>
-                    <a:lnB w="12700" cap="flat" cmpd="sng" algn="ctr">
-                      <a:solidFill>
-                        <a:schemeClr val="tx1"/>
-                      </a:solidFill>
-                      <a:prstDash val="solid"/>
-                      <a:round/>
-                      <a:headEnd w="med" len="med"/>
-                      <a:tailEnd w="med" len="med"/>
-                    </a:lnB>
-                  </a:tcPr>
-                </a:tc>
-                <a:tc>
-                  <a:txBody>
-                    <a:bodyPr vert="horz" wrap="square" lIns="91440" tIns="45720" rIns="91440" bIns="45720" anchor="t" anchorCtr="0">
-                      <a:spAutoFit/>
-                    </a:bodyPr>
-                    <a:p>
-                      <a:pPr>
-                        <a:defRPr/>
-                      </a:pPr>
-                      <a:r>
-                        <a:rPr lang="en-US" altLang="ko-KR" sz="1500">
-                          <a:latin typeface="함초롬바탕"/>
-                          <a:ea typeface="함초롬바탕"/>
-                          <a:cs typeface="함초롬바탕"/>
-                        </a:rPr>
-                        <a:t>ptr</a:t>
-                      </a:r>
-                      <a:r>
-                        <a:rPr lang="ko-KR" altLang="en-US" sz="1500">
-                          <a:latin typeface="함초롬바탕"/>
-                          <a:ea typeface="함초롬바탕"/>
-                          <a:cs typeface="함초롬바탕"/>
-                        </a:rPr>
-                        <a:t>이 가리키는 메모리를 </a:t>
-                      </a:r>
-                      <a:r>
-                        <a:rPr lang="en-US" altLang="ko-KR" sz="1500">
-                          <a:latin typeface="함초롬바탕"/>
-                          <a:ea typeface="함초롬바탕"/>
-                          <a:cs typeface="함초롬바탕"/>
-                        </a:rPr>
-                        <a:t>size</a:t>
-                      </a:r>
-                      <a:r>
-                        <a:rPr lang="ko-KR" altLang="en-US" sz="1500">
-                          <a:latin typeface="함초롬바탕"/>
-                          <a:ea typeface="함초롬바탕"/>
-                          <a:cs typeface="함초롬바탕"/>
-                        </a:rPr>
-                        <a:t>만큼 힙에서 재할당해 반환</a:t>
-                      </a:r>
-                      <a:endParaRPr lang="ko-KR" altLang="en-US" sz="1500">
-                        <a:latin typeface="함초롬바탕"/>
-                        <a:ea typeface="함초롬바탕"/>
-                        <a:cs typeface="함초롬바탕"/>
-                      </a:endParaRPr>
-                    </a:p>
-                  </a:txBody>
-                  <a:tcPr marL="91440" marR="91440">
-                    <a:lnL w="12700" cap="flat" cmpd="sng" algn="ctr">
-                      <a:solidFill>
-                        <a:schemeClr val="tx1"/>
-                      </a:solidFill>
-                      <a:prstDash val="solid"/>
-                      <a:round/>
-                      <a:headEnd w="med" len="med"/>
-                      <a:tailEnd w="med" len="med"/>
-                    </a:lnL>
-                    <a:lnT w="12700" cap="flat" cmpd="sng" algn="ctr">
-                      <a:solidFill>
-                        <a:schemeClr val="tx1"/>
-                      </a:solidFill>
-                      <a:prstDash val="solid"/>
-                      <a:round/>
-                      <a:headEnd w="med" len="med"/>
-                      <a:tailEnd w="med" len="med"/>
-                    </a:lnT>
-                    <a:lnB w="12700" cap="flat" cmpd="sng" algn="ctr">
-                      <a:solidFill>
-                        <a:schemeClr val="tx1"/>
-                      </a:solidFill>
-                      <a:prstDash val="solid"/>
-                      <a:round/>
-                      <a:headEnd w="med" len="med"/>
-                      <a:tailEnd w="med" len="med"/>
-                    </a:lnB>
-                  </a:tcPr>
-                </a:tc>
-              </a:tr>
-              <a:tr h="370840">
-                <a:tc>
-                  <a:txBody>
-                    <a:bodyPr vert="horz" wrap="square" lIns="91440" tIns="45720" rIns="91440" bIns="45720" anchor="t" anchorCtr="0">
-                      <a:spAutoFit/>
-                    </a:bodyPr>
-                    <a:p>
-                      <a:pPr>
-                        <a:defRPr/>
-                      </a:pPr>
-                      <a:r>
-                        <a:rPr lang="en-US" altLang="ko-KR" sz="1500">
-                          <a:latin typeface="함초롬바탕"/>
-                          <a:ea typeface="함초롬바탕"/>
-                          <a:cs typeface="함초롬바탕"/>
-                        </a:rPr>
-                        <a:t>void free ( void * ptr );	</a:t>
-                      </a:r>
-                      <a:endParaRPr lang="en-US" altLang="ko-KR" sz="1500">
-                        <a:latin typeface="함초롬바탕"/>
-                        <a:ea typeface="함초롬바탕"/>
-                        <a:cs typeface="함초롬바탕"/>
-                      </a:endParaRPr>
-                    </a:p>
-                  </a:txBody>
-                  <a:tcPr marL="91440" marR="91440">
-                    <a:lnR w="12700" cap="flat" cmpd="sng" algn="ctr">
-                      <a:solidFill>
-                        <a:schemeClr val="tx1"/>
-                      </a:solidFill>
-                      <a:prstDash val="solid"/>
-                      <a:round/>
-                      <a:headEnd w="med" len="med"/>
-                      <a:tailEnd w="med" len="med"/>
-                    </a:lnR>
-                    <a:lnT w="12700" cap="flat" cmpd="sng" algn="ctr">
-                      <a:solidFill>
-                        <a:schemeClr val="tx1"/>
-                      </a:solidFill>
-                      <a:prstDash val="solid"/>
-                      <a:round/>
-                      <a:headEnd w="med" len="med"/>
-                      <a:tailEnd w="med" len="med"/>
-                    </a:lnT>
-                  </a:tcPr>
-                </a:tc>
-                <a:tc>
-                  <a:txBody>
-                    <a:bodyPr vert="horz" wrap="square" lIns="91440" tIns="45720" rIns="91440" bIns="45720" anchor="t" anchorCtr="0">
-                      <a:spAutoFit/>
-                    </a:bodyPr>
-                    <a:p>
-                      <a:pPr>
-                        <a:defRPr/>
-                      </a:pPr>
-                      <a:r>
-                        <a:rPr lang="en-US" altLang="ko-KR" sz="1500">
-                          <a:latin typeface="함초롬바탕"/>
-                          <a:ea typeface="함초롬바탕"/>
-                          <a:cs typeface="함초롬바탕"/>
-                        </a:rPr>
-                        <a:t>ptr</a:t>
-                      </a:r>
-                      <a:r>
-                        <a:rPr lang="ko-KR" altLang="en-US" sz="1500">
-                          <a:latin typeface="함초롬바탕"/>
-                          <a:ea typeface="함초롬바탕"/>
-                          <a:cs typeface="함초롬바탕"/>
-                        </a:rPr>
-                        <a:t>이 가리키는 메모리를 해제</a:t>
-                      </a:r>
-                      <a:endParaRPr lang="ko-KR" altLang="en-US" sz="1500">
-                        <a:latin typeface="함초롬바탕"/>
-                        <a:ea typeface="함초롬바탕"/>
-                        <a:cs typeface="함초롬바탕"/>
-                      </a:endParaRPr>
-                    </a:p>
-                  </a:txBody>
-                  <a:tcPr marL="91440" marR="91440">
-                    <a:lnL w="12700" cap="flat" cmpd="sng" algn="ctr">
-                      <a:solidFill>
-                        <a:schemeClr val="tx1"/>
-                      </a:solidFill>
-                      <a:prstDash val="solid"/>
-                      <a:round/>
-                      <a:headEnd w="med" len="med"/>
-                      <a:tailEnd w="med" len="med"/>
-                    </a:lnL>
-                    <a:lnT w="12700" cap="flat" cmpd="sng" algn="ctr">
-                      <a:solidFill>
-                        <a:schemeClr val="tx1"/>
-                      </a:solidFill>
-                      <a:prstDash val="solid"/>
-                      <a:round/>
-                      <a:headEnd w="med" len="med"/>
-                      <a:tailEnd w="med" len="med"/>
-                    </a:lnT>
-                  </a:tcPr>
-                </a:tc>
-              </a:tr>
-            </a:tbl>
-          </a:graphicData>
-        </a:graphic>
-      </p:graphicFrame>
+          <a:bodyPr rtlCol="0" anchor="ctr"/>
+          <a:lstStyle/>
+          <a:p>
+            <a:pPr algn="ctr"/>
+            <a:endParaRPr lang="ko-KR" altLang="en-US" sz="3200"/>
+          </a:p>
+        </p:txBody>
+      </p:sp>
     </p:spTree>
-    <p:extLst>
-      <p:ext uri="{BB962C8B-B14F-4D97-AF65-F5344CB8AC3E}">
-        <p14:creationId xmlns:p14="http://schemas.microsoft.com/office/powerpoint/2010/main" val="1363988562"/>
-      </p:ext>
-    </p:extLst>
   </p:cSld>
   <p:clrMapOvr>
     <a:masterClrMapping/>
   </p:clrMapOvr>
-  <mc:AlternateContent xmlns:mc="http://schemas.openxmlformats.org/markup-compatibility/2006">
-    <mc:Choice xmlns:p14="http://schemas.microsoft.com/office/powerpoint/2010/main" Requires="p14">
-      <p:transition xmlns:mc="http://schemas.openxmlformats.org/markup-compatibility/2006" xmlns:p14="http://schemas.microsoft.com/office/powerpoint/2010/main" mc:Ignorable="p14" p14:dur="500">
-        <p:fade/>
-      </p:transition>
-    </mc:Choice>
-    <mc:Fallback>
-      <p:transition xmlns:mc="http://schemas.openxmlformats.org/markup-compatibility/2006" xmlns:hp="http://schemas.haansoft.com/office/presentation/8.0" mc:Ignorable="hp" hp:hslDur="500">
-        <p:fade/>
-      </p:transition>
-    </mc:Fallback>
-  </mc:AlternateContent>
-  <p:timing>
-    <p:tnLst>
-      <p:par>
-        <p:cTn id="1" dur="indefinite" restart="never" nodeType="tmRoot"/>
-      </p:par>
-    </p:tnLst>
-  </p:timing>
-</p:sld>
-</file>
-
-<file path=ppt/slides/slide8.xml><?xml version="1.0" encoding="utf-8"?>
-<p:sld xmlns:r="http://schemas.openxmlformats.org/officeDocument/2006/relationships" xmlns:c="http://schemas.openxmlformats.org/drawingml/2006/chart" xmlns:a="http://schemas.openxmlformats.org/drawingml/2006/main" xmlns:dgm="http://schemas.openxmlformats.org/drawingml/2006/diagram" xmlns:dsp="http://schemas.microsoft.com/office/drawing/2008/diagram" xmlns:p="http://schemas.openxmlformats.org/presentationml/2006/main">
-  <p:cSld>
-    <p:spTree>
-      <p:nvGrpSpPr>
-        <p:cNvPr id="1" name=""/>
-        <p:cNvGrpSpPr/>
-        <p:nvPr/>
-      </p:nvGrpSpPr>
-      <p:grpSpPr>
-        <a:xfrm>
-          <a:off x="0" y="0"/>
-          <a:ext cx="0" cy="0"/>
-          <a:chOff x="0" y="0"/>
-          <a:chExt cx="0" cy="0"/>
-        </a:xfrm>
-      </p:grpSpPr>
-      <p:sp>
-        <p:nvSpPr>
-          <p:cNvPr id="53" name="직사각형 52"/>
-          <p:cNvSpPr/>
-          <p:nvPr/>
-        </p:nvSpPr>
-        <p:spPr>
-          <a:xfrm>
-            <a:off x="0" y="6419850"/>
-            <a:ext cx="9144000" cy="438150"/>
-          </a:xfrm>
-          <a:prstGeom prst="rect">
-            <a:avLst/>
-          </a:prstGeom>
-          <a:solidFill>
-            <a:srgbClr val="aa0638"/>
-          </a:solidFill>
-          <a:ln>
-            <a:noFill/>
-          </a:ln>
-          <a:effectLst>
-            <a:outerShdw blurRad="50800" dist="38100" dir="16200000" rotWithShape="0">
-              <a:prstClr val="black">
-                <a:alpha val="40000"/>
-              </a:prstClr>
-            </a:outerShdw>
-          </a:effectLst>
-        </p:spPr>
-        <p:style>
-          <a:lnRef idx="2">
-            <a:schemeClr val="accent1">
-              <a:shade val="50000"/>
-            </a:schemeClr>
-          </a:lnRef>
-          <a:fillRef idx="1">
-            <a:schemeClr val="accent1"/>
-          </a:fillRef>
-          <a:effectRef idx="0">
-            <a:schemeClr val="accent1"/>
-          </a:effectRef>
-          <a:fontRef idx="minor">
-            <a:schemeClr val="lt1"/>
-          </a:fontRef>
-        </p:style>
-        <p:txBody>
-          <a:bodyPr anchor="ctr"/>
-          <a:lstStyle/>
-          <a:p>
-            <a:pPr algn="ctr">
-              <a:defRPr/>
-            </a:pPr>
-            <a:endParaRPr lang="ko-KR" altLang="en-US"/>
-          </a:p>
-        </p:txBody>
-      </p:sp>
-      <p:sp>
-        <p:nvSpPr>
-          <p:cNvPr id="22" name="직사각형 21"/>
-          <p:cNvSpPr/>
-          <p:nvPr/>
-        </p:nvSpPr>
-        <p:spPr>
-          <a:xfrm>
-            <a:off x="428595" y="737216"/>
-            <a:ext cx="5377844" cy="908704"/>
-          </a:xfrm>
-          <a:prstGeom prst="rect">
-            <a:avLst/>
-          </a:prstGeom>
-          <a:effectLst/>
-        </p:spPr>
-        <p:txBody>
-          <a:bodyPr wrap="none">
-            <a:spAutoFit/>
-          </a:bodyPr>
-          <a:lstStyle/>
-          <a:p>
-            <a:pPr lvl="0">
-              <a:defRPr/>
-            </a:pPr>
-            <a:r>
-              <a:rPr xmlns:mc="http://schemas.openxmlformats.org/markup-compatibility/2006" xmlns:hp="http://schemas.haansoft.com/office/presentation/8.0" lang="ko-KR" altLang="en-US" sz="5400" b="1" mc:Ignorable="hp" hp:hslEmbossed="0">
-                <a:ln w="9525">
-                  <a:solidFill>
-                    <a:schemeClr val="bg1">
-                      <a:alpha val="55000"/>
-                    </a:schemeClr>
-                  </a:solidFill>
-                </a:ln>
-                <a:solidFill>
-                  <a:srgbClr val="10253f"/>
-                </a:solidFill>
-                <a:effectLst>
-                  <a:outerShdw blurRad="38100" dist="38100" dir="2700000" algn="tl">
-                    <a:srgbClr val="000000">
-                      <a:alpha val="43140"/>
-                    </a:srgbClr>
-                  </a:outerShdw>
-                </a:effectLst>
-                <a:latin typeface="HY견고딕"/>
-                <a:ea typeface="HY견고딕"/>
-              </a:rPr>
-              <a:t>배열의 길이 수정</a:t>
-            </a:r>
-            <a:endParaRPr xmlns:mc="http://schemas.openxmlformats.org/markup-compatibility/2006" xmlns:hp="http://schemas.haansoft.com/office/presentation/8.0" lang="ko-KR" altLang="en-US" sz="5400" b="1" mc:Ignorable="hp" hp:hslEmbossed="0">
-              <a:ln w="9525">
-                <a:solidFill>
-                  <a:schemeClr val="bg1">
-                    <a:alpha val="55000"/>
-                  </a:schemeClr>
-                </a:solidFill>
-              </a:ln>
-              <a:solidFill>
-                <a:srgbClr val="10253f"/>
-              </a:solidFill>
-              <a:effectLst>
-                <a:outerShdw blurRad="38100" dist="38100" dir="2700000" algn="tl">
-                  <a:srgbClr val="000000">
-                    <a:alpha val="43140"/>
-                  </a:srgbClr>
-                </a:outerShdw>
-              </a:effectLst>
-              <a:latin typeface="HY견고딕"/>
-              <a:ea typeface="HY견고딕"/>
-            </a:endParaRPr>
-          </a:p>
-        </p:txBody>
-      </p:sp>
-      <p:sp>
-        <p:nvSpPr>
-          <p:cNvPr id="13" name="TextBox 12"/>
-          <p:cNvSpPr txBox="1"/>
-          <p:nvPr/>
-        </p:nvSpPr>
-        <p:spPr>
-          <a:xfrm>
-            <a:off x="785786" y="1857364"/>
-            <a:ext cx="7602638" cy="2674631"/>
-          </a:xfrm>
-          <a:prstGeom prst="rect">
-            <a:avLst/>
-          </a:prstGeom>
-          <a:noFill/>
-        </p:spPr>
-        <p:txBody>
-          <a:bodyPr wrap="square">
-            <a:spAutoFit/>
-          </a:bodyPr>
-          <a:lstStyle/>
-          <a:p>
-            <a:pPr marL="0" indent="0">
-              <a:buFontTx/>
-              <a:buNone/>
-              <a:defRPr/>
-            </a:pPr>
-            <a:r>
-              <a:rPr lang="ko-KR" altLang="en-US" sz="3000">
-                <a:ln w="9525">
-                  <a:solidFill>
-                    <a:schemeClr val="bg1">
-                      <a:alpha val="55000"/>
-                    </a:schemeClr>
-                  </a:solidFill>
-                </a:ln>
-                <a:solidFill>
-                  <a:srgbClr val="ef0b6d"/>
-                </a:solidFill>
-                <a:latin typeface="HY견고딕"/>
-                <a:ea typeface="HY견고딕"/>
-              </a:rPr>
-              <a:t>프로그래밍 메모리</a:t>
-            </a:r>
-            <a:endParaRPr lang="ko-KR" altLang="en-US" sz="3000">
-              <a:ln w="9525">
-                <a:solidFill>
-                  <a:schemeClr val="bg1">
-                    <a:alpha val="55000"/>
-                  </a:schemeClr>
-                </a:solidFill>
-              </a:ln>
-              <a:solidFill>
-                <a:srgbClr val="ef0b6d"/>
-              </a:solidFill>
-              <a:latin typeface="HY견고딕"/>
-              <a:ea typeface="HY견고딕"/>
-            </a:endParaRPr>
-          </a:p>
-          <a:p>
-            <a:pPr marL="0" indent="0">
-              <a:buFontTx/>
-              <a:buNone/>
-              <a:defRPr/>
-            </a:pPr>
-            <a:r>
-              <a:rPr lang="en-US" altLang="ko-KR" sz="2000">
-                <a:ln w="9525">
-                  <a:solidFill>
-                    <a:schemeClr val="bg1">
-                      <a:alpha val="55000"/>
-                    </a:schemeClr>
-                  </a:solidFill>
-                </a:ln>
-                <a:solidFill>
-                  <a:srgbClr val="10253f"/>
-                </a:solidFill>
-                <a:latin typeface="HY견고딕"/>
-                <a:ea typeface="HY견고딕"/>
-              </a:rPr>
-              <a:t>-</a:t>
-            </a:r>
-            <a:r>
-              <a:rPr lang="ko-KR" altLang="en-US" sz="2000">
-                <a:ln w="9525">
-                  <a:solidFill>
-                    <a:schemeClr val="bg1">
-                      <a:alpha val="55000"/>
-                    </a:schemeClr>
-                  </a:solidFill>
-                </a:ln>
-                <a:solidFill>
-                  <a:srgbClr val="10253f"/>
-                </a:solidFill>
-                <a:latin typeface="HY견고딕"/>
-                <a:ea typeface="HY견고딕"/>
-              </a:rPr>
-              <a:t> </a:t>
-            </a:r>
-            <a:r>
-              <a:rPr lang="en-US" altLang="ko-KR" sz="2000">
-                <a:ln w="9525">
-                  <a:solidFill>
-                    <a:schemeClr val="bg1">
-                      <a:alpha val="55000"/>
-                    </a:schemeClr>
-                  </a:solidFill>
-                </a:ln>
-                <a:solidFill>
-                  <a:srgbClr val="10253f"/>
-                </a:solidFill>
-                <a:latin typeface="HY견고딕"/>
-                <a:ea typeface="HY견고딕"/>
-              </a:rPr>
-              <a:t>code</a:t>
-            </a:r>
-            <a:r>
-              <a:rPr lang="ko-KR" altLang="en-US" sz="2000">
-                <a:ln w="9525">
-                  <a:solidFill>
-                    <a:schemeClr val="bg1">
-                      <a:alpha val="55000"/>
-                    </a:schemeClr>
-                  </a:solidFill>
-                </a:ln>
-                <a:solidFill>
-                  <a:srgbClr val="10253f"/>
-                </a:solidFill>
-                <a:latin typeface="HY견고딕"/>
-                <a:ea typeface="HY견고딕"/>
-              </a:rPr>
-              <a:t> 영역 </a:t>
-            </a:r>
-            <a:r>
-              <a:rPr lang="en-US" altLang="ko-KR" sz="2000">
-                <a:ln w="9525">
-                  <a:solidFill>
-                    <a:schemeClr val="bg1">
-                      <a:alpha val="55000"/>
-                    </a:schemeClr>
-                  </a:solidFill>
-                </a:ln>
-                <a:solidFill>
-                  <a:srgbClr val="10253f"/>
-                </a:solidFill>
-                <a:latin typeface="HY견고딕"/>
-                <a:ea typeface="HY견고딕"/>
-              </a:rPr>
-              <a:t>:</a:t>
-            </a:r>
-            <a:r>
-              <a:rPr lang="ko-KR" altLang="en-US" sz="2000">
-                <a:ln w="9525">
-                  <a:solidFill>
-                    <a:schemeClr val="bg1">
-                      <a:alpha val="55000"/>
-                    </a:schemeClr>
-                  </a:solidFill>
-                </a:ln>
-                <a:solidFill>
-                  <a:srgbClr val="10253f"/>
-                </a:solidFill>
-                <a:latin typeface="HY견고딕"/>
-                <a:ea typeface="HY견고딕"/>
-              </a:rPr>
-              <a:t> 실행한 프로그램의 코드가 저장됨</a:t>
-            </a:r>
-            <a:r>
-              <a:rPr lang="en-US" altLang="ko-KR" sz="2000">
-                <a:ln w="9525">
-                  <a:solidFill>
-                    <a:schemeClr val="bg1">
-                      <a:alpha val="55000"/>
-                    </a:schemeClr>
-                  </a:solidFill>
-                </a:ln>
-                <a:solidFill>
-                  <a:srgbClr val="10253f"/>
-                </a:solidFill>
-                <a:latin typeface="HY견고딕"/>
-                <a:ea typeface="HY견고딕"/>
-              </a:rPr>
-              <a:t>.</a:t>
-            </a:r>
-            <a:endParaRPr lang="en-US" altLang="ko-KR" sz="2000">
-              <a:ln w="9525">
-                <a:solidFill>
-                  <a:schemeClr val="bg1">
-                    <a:alpha val="55000"/>
-                  </a:schemeClr>
-                </a:solidFill>
-              </a:ln>
-              <a:solidFill>
-                <a:srgbClr val="10253f"/>
-              </a:solidFill>
-              <a:latin typeface="HY견고딕"/>
-              <a:ea typeface="HY견고딕"/>
-            </a:endParaRPr>
-          </a:p>
-          <a:p>
-            <a:pPr marL="0" indent="0">
-              <a:buFontTx/>
-              <a:buNone/>
-              <a:defRPr/>
-            </a:pPr>
-            <a:r>
-              <a:rPr lang="en-US" altLang="ko-KR" sz="2000">
-                <a:ln w="9525">
-                  <a:solidFill>
-                    <a:schemeClr val="bg1">
-                      <a:alpha val="55000"/>
-                    </a:schemeClr>
-                  </a:solidFill>
-                </a:ln>
-                <a:solidFill>
-                  <a:srgbClr val="10253f"/>
-                </a:solidFill>
-                <a:latin typeface="HY견고딕"/>
-                <a:ea typeface="HY견고딕"/>
-              </a:rPr>
-              <a:t>-</a:t>
-            </a:r>
-            <a:r>
-              <a:rPr lang="ko-KR" altLang="en-US" sz="2000">
-                <a:ln w="9525">
-                  <a:solidFill>
-                    <a:schemeClr val="bg1">
-                      <a:alpha val="55000"/>
-                    </a:schemeClr>
-                  </a:solidFill>
-                </a:ln>
-                <a:solidFill>
-                  <a:srgbClr val="10253f"/>
-                </a:solidFill>
-                <a:latin typeface="HY견고딕"/>
-                <a:ea typeface="HY견고딕"/>
-              </a:rPr>
-              <a:t> </a:t>
-            </a:r>
-            <a:r>
-              <a:rPr lang="en-US" altLang="ko-KR" sz="2000">
-                <a:ln w="9525">
-                  <a:solidFill>
-                    <a:schemeClr val="bg1">
-                      <a:alpha val="55000"/>
-                    </a:schemeClr>
-                  </a:solidFill>
-                </a:ln>
-                <a:solidFill>
-                  <a:srgbClr val="10253f"/>
-                </a:solidFill>
-                <a:latin typeface="HY견고딕"/>
-                <a:ea typeface="HY견고딕"/>
-              </a:rPr>
-              <a:t>data</a:t>
-            </a:r>
-            <a:r>
-              <a:rPr lang="ko-KR" altLang="en-US" sz="2000">
-                <a:ln w="9525">
-                  <a:solidFill>
-                    <a:schemeClr val="bg1">
-                      <a:alpha val="55000"/>
-                    </a:schemeClr>
-                  </a:solidFill>
-                </a:ln>
-                <a:solidFill>
-                  <a:srgbClr val="10253f"/>
-                </a:solidFill>
-                <a:latin typeface="HY견고딕"/>
-                <a:ea typeface="HY견고딕"/>
-              </a:rPr>
-              <a:t> 영역 </a:t>
-            </a:r>
-            <a:r>
-              <a:rPr lang="en-US" altLang="ko-KR" sz="2000">
-                <a:ln w="9525">
-                  <a:solidFill>
-                    <a:schemeClr val="bg1">
-                      <a:alpha val="55000"/>
-                    </a:schemeClr>
-                  </a:solidFill>
-                </a:ln>
-                <a:solidFill>
-                  <a:srgbClr val="10253f"/>
-                </a:solidFill>
-                <a:latin typeface="HY견고딕"/>
-                <a:ea typeface="HY견고딕"/>
-              </a:rPr>
-              <a:t>:</a:t>
-            </a:r>
-            <a:r>
-              <a:rPr lang="ko-KR" altLang="en-US" sz="2000">
-                <a:ln w="9525">
-                  <a:solidFill>
-                    <a:schemeClr val="bg1">
-                      <a:alpha val="55000"/>
-                    </a:schemeClr>
-                  </a:solidFill>
-                </a:ln>
-                <a:solidFill>
-                  <a:srgbClr val="10253f"/>
-                </a:solidFill>
-                <a:latin typeface="HY견고딕"/>
-                <a:ea typeface="HY견고딕"/>
-              </a:rPr>
-              <a:t> 전역변수와 </a:t>
-            </a:r>
-            <a:r>
-              <a:rPr lang="en-US" altLang="ko-KR" sz="2000">
-                <a:ln w="9525">
-                  <a:solidFill>
-                    <a:schemeClr val="bg1">
-                      <a:alpha val="55000"/>
-                    </a:schemeClr>
-                  </a:solidFill>
-                </a:ln>
-                <a:solidFill>
-                  <a:srgbClr val="10253f"/>
-                </a:solidFill>
-                <a:latin typeface="HY견고딕"/>
-                <a:ea typeface="HY견고딕"/>
-              </a:rPr>
-              <a:t>static</a:t>
-            </a:r>
-            <a:r>
-              <a:rPr lang="ko-KR" altLang="en-US" sz="2000">
-                <a:ln w="9525">
-                  <a:solidFill>
-                    <a:schemeClr val="bg1">
-                      <a:alpha val="55000"/>
-                    </a:schemeClr>
-                  </a:solidFill>
-                </a:ln>
-                <a:solidFill>
-                  <a:srgbClr val="10253f"/>
-                </a:solidFill>
-                <a:latin typeface="HY견고딕"/>
-                <a:ea typeface="HY견고딕"/>
-              </a:rPr>
-              <a:t>변수가 저장되며 프로그램 종료까지 남아있음</a:t>
-            </a:r>
-            <a:endParaRPr lang="ko-KR" altLang="en-US" sz="2000">
-              <a:ln w="9525">
-                <a:solidFill>
-                  <a:schemeClr val="bg1">
-                    <a:alpha val="55000"/>
-                  </a:schemeClr>
-                </a:solidFill>
-              </a:ln>
-              <a:solidFill>
-                <a:srgbClr val="10253f"/>
-              </a:solidFill>
-              <a:latin typeface="HY견고딕"/>
-              <a:ea typeface="HY견고딕"/>
-            </a:endParaRPr>
-          </a:p>
-          <a:p>
-            <a:pPr marL="0" indent="0">
-              <a:buFontTx/>
-              <a:buNone/>
-              <a:defRPr/>
-            </a:pPr>
-            <a:r>
-              <a:rPr lang="en-US" altLang="ko-KR" sz="2000">
-                <a:ln w="9525">
-                  <a:solidFill>
-                    <a:schemeClr val="bg1">
-                      <a:alpha val="55000"/>
-                    </a:schemeClr>
-                  </a:solidFill>
-                </a:ln>
-                <a:solidFill>
-                  <a:srgbClr val="10253f"/>
-                </a:solidFill>
-                <a:latin typeface="HY견고딕"/>
-                <a:ea typeface="HY견고딕"/>
-              </a:rPr>
-              <a:t>-</a:t>
-            </a:r>
-            <a:r>
-              <a:rPr lang="ko-KR" altLang="en-US" sz="2000">
-                <a:ln w="9525">
-                  <a:solidFill>
-                    <a:schemeClr val="bg1">
-                      <a:alpha val="55000"/>
-                    </a:schemeClr>
-                  </a:solidFill>
-                </a:ln>
-                <a:solidFill>
-                  <a:srgbClr val="10253f"/>
-                </a:solidFill>
-                <a:latin typeface="HY견고딕"/>
-                <a:ea typeface="HY견고딕"/>
-              </a:rPr>
-              <a:t> </a:t>
-            </a:r>
-            <a:r>
-              <a:rPr lang="en-US" altLang="ko-KR" sz="2000">
-                <a:ln w="9525">
-                  <a:solidFill>
-                    <a:schemeClr val="bg1">
-                      <a:alpha val="55000"/>
-                    </a:schemeClr>
-                  </a:solidFill>
-                </a:ln>
-                <a:solidFill>
-                  <a:srgbClr val="10253f"/>
-                </a:solidFill>
-                <a:latin typeface="HY견고딕"/>
-                <a:ea typeface="HY견고딕"/>
-              </a:rPr>
-              <a:t>heap</a:t>
-            </a:r>
-            <a:r>
-              <a:rPr lang="ko-KR" altLang="en-US" sz="2000">
-                <a:ln w="9525">
-                  <a:solidFill>
-                    <a:schemeClr val="bg1">
-                      <a:alpha val="55000"/>
-                    </a:schemeClr>
-                  </a:solidFill>
-                </a:ln>
-                <a:solidFill>
-                  <a:srgbClr val="10253f"/>
-                </a:solidFill>
-                <a:latin typeface="HY견고딕"/>
-                <a:ea typeface="HY견고딕"/>
-              </a:rPr>
-              <a:t> 영역 </a:t>
-            </a:r>
-            <a:r>
-              <a:rPr lang="en-US" altLang="ko-KR" sz="2000">
-                <a:ln w="9525">
-                  <a:solidFill>
-                    <a:schemeClr val="bg1">
-                      <a:alpha val="55000"/>
-                    </a:schemeClr>
-                  </a:solidFill>
-                </a:ln>
-                <a:solidFill>
-                  <a:srgbClr val="10253f"/>
-                </a:solidFill>
-                <a:latin typeface="HY견고딕"/>
-                <a:ea typeface="HY견고딕"/>
-              </a:rPr>
-              <a:t>:</a:t>
-            </a:r>
-            <a:r>
-              <a:rPr lang="ko-KR" altLang="en-US" sz="2000">
-                <a:ln w="9525">
-                  <a:solidFill>
-                    <a:schemeClr val="bg1">
-                      <a:alpha val="55000"/>
-                    </a:schemeClr>
-                  </a:solidFill>
-                </a:ln>
-                <a:solidFill>
-                  <a:srgbClr val="10253f"/>
-                </a:solidFill>
-                <a:latin typeface="HY견고딕"/>
-                <a:ea typeface="HY견고딕"/>
-              </a:rPr>
-              <a:t> 동적으로 할당된 메모리영역이며 프로그래머에 의해 할당 및 해제됨</a:t>
-            </a:r>
-            <a:r>
-              <a:rPr lang="en-US" altLang="ko-KR" sz="2000">
-                <a:ln w="9525">
-                  <a:solidFill>
-                    <a:schemeClr val="bg1">
-                      <a:alpha val="55000"/>
-                    </a:schemeClr>
-                  </a:solidFill>
-                </a:ln>
-                <a:solidFill>
-                  <a:srgbClr val="10253f"/>
-                </a:solidFill>
-                <a:latin typeface="HY견고딕"/>
-                <a:ea typeface="HY견고딕"/>
-              </a:rPr>
-              <a:t>.</a:t>
-            </a:r>
-            <a:endParaRPr lang="en-US" altLang="ko-KR" sz="2000">
-              <a:ln w="9525">
-                <a:solidFill>
-                  <a:schemeClr val="bg1">
-                    <a:alpha val="55000"/>
-                  </a:schemeClr>
-                </a:solidFill>
-              </a:ln>
-              <a:solidFill>
-                <a:srgbClr val="10253f"/>
-              </a:solidFill>
-              <a:latin typeface="HY견고딕"/>
-              <a:ea typeface="HY견고딕"/>
-            </a:endParaRPr>
-          </a:p>
-          <a:p>
-            <a:pPr marL="0" indent="0">
-              <a:buFontTx/>
-              <a:buNone/>
-              <a:defRPr/>
-            </a:pPr>
-            <a:r>
-              <a:rPr lang="en-US" altLang="ko-KR" sz="2000">
-                <a:ln w="9525">
-                  <a:solidFill>
-                    <a:schemeClr val="bg1">
-                      <a:alpha val="55000"/>
-                    </a:schemeClr>
-                  </a:solidFill>
-                </a:ln>
-                <a:solidFill>
-                  <a:srgbClr val="10253f"/>
-                </a:solidFill>
-                <a:latin typeface="HY견고딕"/>
-                <a:ea typeface="HY견고딕"/>
-              </a:rPr>
-              <a:t>- stack</a:t>
-            </a:r>
-            <a:r>
-              <a:rPr lang="ko-KR" altLang="en-US" sz="2000">
-                <a:ln w="9525">
-                  <a:solidFill>
-                    <a:schemeClr val="bg1">
-                      <a:alpha val="55000"/>
-                    </a:schemeClr>
-                  </a:solidFill>
-                </a:ln>
-                <a:solidFill>
-                  <a:srgbClr val="10253f"/>
-                </a:solidFill>
-                <a:latin typeface="HY견고딕"/>
-                <a:ea typeface="HY견고딕"/>
-              </a:rPr>
-              <a:t> 영역 </a:t>
-            </a:r>
-            <a:r>
-              <a:rPr lang="en-US" altLang="ko-KR" sz="2000">
-                <a:ln w="9525">
-                  <a:solidFill>
-                    <a:schemeClr val="bg1">
-                      <a:alpha val="55000"/>
-                    </a:schemeClr>
-                  </a:solidFill>
-                </a:ln>
-                <a:solidFill>
-                  <a:srgbClr val="10253f"/>
-                </a:solidFill>
-                <a:latin typeface="HY견고딕"/>
-                <a:ea typeface="HY견고딕"/>
-              </a:rPr>
-              <a:t>:</a:t>
-            </a:r>
-            <a:r>
-              <a:rPr lang="ko-KR" altLang="en-US" sz="2000">
-                <a:ln w="9525">
-                  <a:solidFill>
-                    <a:schemeClr val="bg1">
-                      <a:alpha val="55000"/>
-                    </a:schemeClr>
-                  </a:solidFill>
-                </a:ln>
-                <a:solidFill>
-                  <a:srgbClr val="10253f"/>
-                </a:solidFill>
-                <a:latin typeface="HY견고딕"/>
-                <a:ea typeface="HY견고딕"/>
-              </a:rPr>
-              <a:t> 지역변수</a:t>
-            </a:r>
-            <a:r>
-              <a:rPr lang="en-US" altLang="ko-KR" sz="2000">
-                <a:ln w="9525">
-                  <a:solidFill>
-                    <a:schemeClr val="bg1">
-                      <a:alpha val="55000"/>
-                    </a:schemeClr>
-                  </a:solidFill>
-                </a:ln>
-                <a:solidFill>
-                  <a:srgbClr val="10253f"/>
-                </a:solidFill>
-                <a:latin typeface="HY견고딕"/>
-                <a:ea typeface="HY견고딕"/>
-              </a:rPr>
-              <a:t>,</a:t>
-            </a:r>
-            <a:r>
-              <a:rPr lang="ko-KR" altLang="en-US" sz="2000">
-                <a:ln w="9525">
-                  <a:solidFill>
-                    <a:schemeClr val="bg1">
-                      <a:alpha val="55000"/>
-                    </a:schemeClr>
-                  </a:solidFill>
-                </a:ln>
-                <a:solidFill>
-                  <a:srgbClr val="10253f"/>
-                </a:solidFill>
-                <a:latin typeface="HY견고딕"/>
-                <a:ea typeface="HY견고딕"/>
-              </a:rPr>
-              <a:t> 매개변수 등이 할당되고 함수를 빠져나가면 소멸됨</a:t>
-            </a:r>
-            <a:r>
-              <a:rPr lang="en-US" altLang="ko-KR" sz="2000">
-                <a:ln w="9525">
-                  <a:solidFill>
-                    <a:schemeClr val="bg1">
-                      <a:alpha val="55000"/>
-                    </a:schemeClr>
-                  </a:solidFill>
-                </a:ln>
-                <a:solidFill>
-                  <a:srgbClr val="10253f"/>
-                </a:solidFill>
-                <a:latin typeface="HY견고딕"/>
-                <a:ea typeface="HY견고딕"/>
-              </a:rPr>
-              <a:t>.</a:t>
-            </a:r>
-            <a:endParaRPr lang="en-US" altLang="ko-KR" sz="2000">
-              <a:ln w="9525">
-                <a:solidFill>
-                  <a:schemeClr val="bg1">
-                    <a:alpha val="55000"/>
-                  </a:schemeClr>
-                </a:solidFill>
-              </a:ln>
-              <a:solidFill>
-                <a:srgbClr val="10253f"/>
-              </a:solidFill>
-              <a:latin typeface="HY견고딕"/>
-              <a:ea typeface="HY견고딕"/>
-            </a:endParaRPr>
-          </a:p>
-        </p:txBody>
-      </p:sp>
-      <p:sp>
-        <p:nvSpPr>
-          <p:cNvPr id="10" name="직사각형 9"/>
-          <p:cNvSpPr/>
-          <p:nvPr/>
-        </p:nvSpPr>
-        <p:spPr>
-          <a:xfrm>
-            <a:off x="0" y="0"/>
-            <a:ext cx="9144000" cy="571480"/>
-          </a:xfrm>
-          <a:prstGeom prst="rect">
-            <a:avLst/>
-          </a:prstGeom>
-          <a:solidFill>
-            <a:schemeClr val="tx1"/>
-          </a:solidFill>
-          <a:ln>
-            <a:noFill/>
-          </a:ln>
-        </p:spPr>
-        <p:style>
-          <a:lnRef idx="2">
-            <a:schemeClr val="accent1">
-              <a:shade val="50000"/>
-            </a:schemeClr>
-          </a:lnRef>
-          <a:fillRef idx="1">
-            <a:schemeClr val="accent1"/>
-          </a:fillRef>
-          <a:effectRef idx="0">
-            <a:schemeClr val="accent1"/>
-          </a:effectRef>
-          <a:fontRef idx="minor">
-            <a:schemeClr val="lt1"/>
-          </a:fontRef>
-        </p:style>
-        <p:txBody>
-          <a:bodyPr anchor="ctr"/>
-          <a:lstStyle/>
-          <a:p>
-            <a:pPr algn="ctr">
-              <a:defRPr/>
-            </a:pPr>
-            <a:endParaRPr lang="ko-KR" altLang="en-US"/>
-          </a:p>
-        </p:txBody>
-      </p:sp>
-      <p:sp>
-        <p:nvSpPr>
-          <p:cNvPr id="23" name="직사각형 22"/>
-          <p:cNvSpPr/>
-          <p:nvPr/>
-        </p:nvSpPr>
-        <p:spPr>
-          <a:xfrm>
-            <a:off x="0" y="525760"/>
-            <a:ext cx="9144000" cy="45720"/>
-          </a:xfrm>
-          <a:prstGeom prst="rect">
-            <a:avLst/>
-          </a:prstGeom>
-          <a:solidFill>
-            <a:srgbClr val="aa0638"/>
-          </a:solidFill>
-          <a:ln>
-            <a:noFill/>
-          </a:ln>
-        </p:spPr>
-        <p:style>
-          <a:lnRef idx="2">
-            <a:schemeClr val="accent1">
-              <a:shade val="50000"/>
-            </a:schemeClr>
-          </a:lnRef>
-          <a:fillRef idx="1">
-            <a:schemeClr val="accent1"/>
-          </a:fillRef>
-          <a:effectRef idx="0">
-            <a:schemeClr val="accent1"/>
-          </a:effectRef>
-          <a:fontRef idx="minor">
-            <a:schemeClr val="lt1"/>
-          </a:fontRef>
-        </p:style>
-        <p:txBody>
-          <a:bodyPr anchor="ctr"/>
-          <a:lstStyle/>
-          <a:p>
-            <a:pPr algn="ctr">
-              <a:defRPr/>
-            </a:pPr>
-            <a:endParaRPr lang="ko-KR" altLang="en-US"/>
-          </a:p>
-        </p:txBody>
-      </p:sp>
-      <p:sp>
-        <p:nvSpPr>
-          <p:cNvPr id="11" name="타원 10"/>
-          <p:cNvSpPr/>
-          <p:nvPr/>
-        </p:nvSpPr>
-        <p:spPr>
-          <a:xfrm>
-            <a:off x="571472" y="2000240"/>
-            <a:ext cx="142876" cy="142876"/>
-          </a:xfrm>
-          <a:prstGeom prst="ellipse">
-            <a:avLst/>
-          </a:prstGeom>
-          <a:solidFill>
-            <a:srgbClr val="aa0638"/>
-          </a:solidFill>
-          <a:ln>
-            <a:noFill/>
-          </a:ln>
-          <a:effectLst>
-            <a:outerShdw blurRad="63500" sx="102000" sy="102000" algn="ctr" rotWithShape="0">
-              <a:prstClr val="black">
-                <a:alpha val="40000"/>
-              </a:prstClr>
-            </a:outerShdw>
-          </a:effectLst>
-        </p:spPr>
-        <p:style>
-          <a:lnRef idx="2">
-            <a:schemeClr val="accent1">
-              <a:shade val="50000"/>
-            </a:schemeClr>
-          </a:lnRef>
-          <a:fillRef idx="1">
-            <a:schemeClr val="accent1"/>
-          </a:fillRef>
-          <a:effectRef idx="0">
-            <a:schemeClr val="accent1"/>
-          </a:effectRef>
-          <a:fontRef idx="minor">
-            <a:schemeClr val="lt1"/>
-          </a:fontRef>
-        </p:style>
-        <p:txBody>
-          <a:bodyPr anchor="ctr"/>
-          <a:lstStyle/>
-          <a:p>
-            <a:pPr algn="ctr">
-              <a:defRPr/>
-            </a:pPr>
-            <a:endParaRPr lang="ko-KR" altLang="en-US"/>
-          </a:p>
-        </p:txBody>
-      </p:sp>
-    </p:spTree>
-    <p:extLst>
-      <p:ext uri="{BB962C8B-B14F-4D97-AF65-F5344CB8AC3E}">
-        <p14:creationId xmlns:p14="http://schemas.microsoft.com/office/powerpoint/2010/main" val="1711816178"/>
-      </p:ext>
-    </p:extLst>
-  </p:cSld>
-  <p:clrMapOvr>
-    <a:masterClrMapping/>
-  </p:clrMapOvr>
-  <mc:AlternateContent xmlns:mc="http://schemas.openxmlformats.org/markup-compatibility/2006">
-    <mc:Choice xmlns:p14="http://schemas.microsoft.com/office/powerpoint/2010/main" Requires="p14">
-      <p:transition xmlns:mc="http://schemas.openxmlformats.org/markup-compatibility/2006" xmlns:p14="http://schemas.microsoft.com/office/powerpoint/2010/main" mc:Ignorable="p14" p14:dur="500">
-        <p:fade/>
-      </p:transition>
-    </mc:Choice>
-    <mc:Fallback>
-      <p:transition xmlns:mc="http://schemas.openxmlformats.org/markup-compatibility/2006" xmlns:hp="http://schemas.haansoft.com/office/presentation/8.0" mc:Ignorable="hp" hp:hslDur="500">
-        <p:fade/>
-      </p:transition>
-    </mc:Fallback>
-  </mc:AlternateContent>
-  <p:timing>
-    <p:tnLst>
-      <p:par>
-        <p:cTn id="1" dur="indefinite" restart="never" nodeType="tmRoot"/>
-      </p:par>
-    </p:tnLst>
-  </p:timing>
-</p:sld>
-</file>
-
-<file path=ppt/slides/slide9.xml><?xml version="1.0" encoding="utf-8"?>
-<p:sld xmlns:r="http://schemas.openxmlformats.org/officeDocument/2006/relationships" xmlns:c="http://schemas.openxmlformats.org/drawingml/2006/chart" xmlns:a="http://schemas.openxmlformats.org/drawingml/2006/main" xmlns:dgm="http://schemas.openxmlformats.org/drawingml/2006/diagram" xmlns:dsp="http://schemas.microsoft.com/office/drawing/2008/diagram" xmlns:p="http://schemas.openxmlformats.org/presentationml/2006/main">
-  <p:cSld>
-    <p:spTree>
-      <p:nvGrpSpPr>
-        <p:cNvPr id="1" name=""/>
-        <p:cNvGrpSpPr/>
-        <p:nvPr/>
-      </p:nvGrpSpPr>
-      <p:grpSpPr>
-        <a:xfrm>
-          <a:off x="0" y="0"/>
-          <a:ext cx="0" cy="0"/>
-          <a:chOff x="0" y="0"/>
-          <a:chExt cx="0" cy="0"/>
-        </a:xfrm>
-      </p:grpSpPr>
-      <p:sp>
-        <p:nvSpPr>
-          <p:cNvPr id="53" name="직사각형 52"/>
-          <p:cNvSpPr/>
-          <p:nvPr/>
-        </p:nvSpPr>
-        <p:spPr>
-          <a:xfrm>
-            <a:off x="0" y="6419850"/>
-            <a:ext cx="9144000" cy="438150"/>
-          </a:xfrm>
-          <a:prstGeom prst="rect">
-            <a:avLst/>
-          </a:prstGeom>
-          <a:solidFill>
-            <a:srgbClr val="aa0638"/>
-          </a:solidFill>
-          <a:ln>
-            <a:noFill/>
-          </a:ln>
-          <a:effectLst>
-            <a:outerShdw blurRad="50800" dist="38100" dir="16200000" rotWithShape="0">
-              <a:prstClr val="black">
-                <a:alpha val="40000"/>
-              </a:prstClr>
-            </a:outerShdw>
-          </a:effectLst>
-        </p:spPr>
-        <p:style>
-          <a:lnRef idx="2">
-            <a:schemeClr val="accent1">
-              <a:shade val="50000"/>
-            </a:schemeClr>
-          </a:lnRef>
-          <a:fillRef idx="1">
-            <a:schemeClr val="accent1"/>
-          </a:fillRef>
-          <a:effectRef idx="0">
-            <a:schemeClr val="accent1"/>
-          </a:effectRef>
-          <a:fontRef idx="minor">
-            <a:schemeClr val="lt1"/>
-          </a:fontRef>
-        </p:style>
-        <p:txBody>
-          <a:bodyPr anchor="ctr"/>
-          <a:lstStyle/>
-          <a:p>
-            <a:pPr algn="ctr">
-              <a:defRPr/>
-            </a:pPr>
-            <a:endParaRPr lang="ko-KR" altLang="en-US"/>
-          </a:p>
-        </p:txBody>
-      </p:sp>
-      <p:sp>
-        <p:nvSpPr>
-          <p:cNvPr id="22" name="직사각형 21"/>
-          <p:cNvSpPr/>
-          <p:nvPr/>
-        </p:nvSpPr>
-        <p:spPr>
-          <a:xfrm>
-            <a:off x="428595" y="737216"/>
-            <a:ext cx="7444769" cy="908704"/>
-          </a:xfrm>
-          <a:prstGeom prst="rect">
-            <a:avLst/>
-          </a:prstGeom>
-          <a:effectLst/>
-        </p:spPr>
-        <p:txBody>
-          <a:bodyPr wrap="none">
-            <a:spAutoFit/>
-          </a:bodyPr>
-          <a:lstStyle/>
-          <a:p>
-            <a:pPr lvl="0">
-              <a:defRPr/>
-            </a:pPr>
-            <a:r>
-              <a:rPr xmlns:mc="http://schemas.openxmlformats.org/markup-compatibility/2006" xmlns:hp="http://schemas.haansoft.com/office/presentation/8.0" lang="ko-KR" altLang="en-US" sz="5400" b="1" mc:Ignorable="hp" hp:hslEmbossed="0">
-                <a:ln w="9525">
-                  <a:solidFill>
-                    <a:schemeClr val="bg1">
-                      <a:alpha val="55000"/>
-                    </a:schemeClr>
-                  </a:solidFill>
-                </a:ln>
-                <a:solidFill>
-                  <a:srgbClr val="10253f"/>
-                </a:solidFill>
-                <a:effectLst>
-                  <a:outerShdw blurRad="38100" dist="38100" dir="2700000" algn="tl">
-                    <a:srgbClr val="000000">
-                      <a:alpha val="43140"/>
-                    </a:srgbClr>
-                  </a:outerShdw>
-                </a:effectLst>
-                <a:latin typeface="HY견고딕"/>
-                <a:ea typeface="HY견고딕"/>
-              </a:rPr>
-              <a:t>배열 원소의 추가 </a:t>
-            </a:r>
-            <a:r>
-              <a:rPr xmlns:mc="http://schemas.openxmlformats.org/markup-compatibility/2006" xmlns:hp="http://schemas.haansoft.com/office/presentation/8.0" lang="en-US" altLang="ko-KR" sz="5400" b="1" mc:Ignorable="hp" hp:hslEmbossed="0">
-                <a:ln w="9525">
-                  <a:solidFill>
-                    <a:schemeClr val="bg1">
-                      <a:alpha val="55000"/>
-                    </a:schemeClr>
-                  </a:solidFill>
-                </a:ln>
-                <a:solidFill>
-                  <a:srgbClr val="10253f"/>
-                </a:solidFill>
-                <a:effectLst>
-                  <a:outerShdw blurRad="38100" dist="38100" dir="2700000" algn="tl">
-                    <a:srgbClr val="000000">
-                      <a:alpha val="43140"/>
-                    </a:srgbClr>
-                  </a:outerShdw>
-                </a:effectLst>
-                <a:latin typeface="HY견고딕"/>
-                <a:ea typeface="HY견고딕"/>
-              </a:rPr>
-              <a:t>/</a:t>
-            </a:r>
-            <a:r>
-              <a:rPr xmlns:mc="http://schemas.openxmlformats.org/markup-compatibility/2006" xmlns:hp="http://schemas.haansoft.com/office/presentation/8.0" lang="ko-KR" altLang="en-US" sz="5400" b="1" mc:Ignorable="hp" hp:hslEmbossed="0">
-                <a:ln w="9525">
-                  <a:solidFill>
-                    <a:schemeClr val="bg1">
-                      <a:alpha val="55000"/>
-                    </a:schemeClr>
-                  </a:solidFill>
-                </a:ln>
-                <a:solidFill>
-                  <a:srgbClr val="10253f"/>
-                </a:solidFill>
-                <a:effectLst>
-                  <a:outerShdw blurRad="38100" dist="38100" dir="2700000" algn="tl">
-                    <a:srgbClr val="000000">
-                      <a:alpha val="43140"/>
-                    </a:srgbClr>
-                  </a:outerShdw>
-                </a:effectLst>
-                <a:latin typeface="HY견고딕"/>
-                <a:ea typeface="HY견고딕"/>
-              </a:rPr>
-              <a:t> 삭제</a:t>
-            </a:r>
-            <a:endParaRPr xmlns:mc="http://schemas.openxmlformats.org/markup-compatibility/2006" xmlns:hp="http://schemas.haansoft.com/office/presentation/8.0" lang="ko-KR" altLang="en-US" sz="5400" b="1" mc:Ignorable="hp" hp:hslEmbossed="0">
-              <a:ln w="9525">
-                <a:solidFill>
-                  <a:schemeClr val="bg1">
-                    <a:alpha val="55000"/>
-                  </a:schemeClr>
-                </a:solidFill>
-              </a:ln>
-              <a:solidFill>
-                <a:srgbClr val="10253f"/>
-              </a:solidFill>
-              <a:effectLst>
-                <a:outerShdw blurRad="38100" dist="38100" dir="2700000" algn="tl">
-                  <a:srgbClr val="000000">
-                    <a:alpha val="43140"/>
-                  </a:srgbClr>
-                </a:outerShdw>
-              </a:effectLst>
-              <a:latin typeface="HY견고딕"/>
-              <a:ea typeface="HY견고딕"/>
-            </a:endParaRPr>
-          </a:p>
-        </p:txBody>
-      </p:sp>
-      <p:sp>
-        <p:nvSpPr>
-          <p:cNvPr id="13" name="TextBox 12"/>
-          <p:cNvSpPr txBox="1"/>
-          <p:nvPr/>
-        </p:nvSpPr>
-        <p:spPr>
-          <a:xfrm>
-            <a:off x="785786" y="1857364"/>
-            <a:ext cx="7602638" cy="1455431"/>
-          </a:xfrm>
-          <a:prstGeom prst="rect">
-            <a:avLst/>
-          </a:prstGeom>
-          <a:noFill/>
-        </p:spPr>
-        <p:txBody>
-          <a:bodyPr wrap="square">
-            <a:spAutoFit/>
-          </a:bodyPr>
-          <a:lstStyle/>
-          <a:p>
-            <a:pPr marL="0" indent="0">
-              <a:buFontTx/>
-              <a:buNone/>
-              <a:defRPr/>
-            </a:pPr>
-            <a:r>
-              <a:rPr lang="ko-KR" altLang="en-US" sz="3000">
-                <a:ln w="9525">
-                  <a:solidFill>
-                    <a:schemeClr val="bg1">
-                      <a:alpha val="55000"/>
-                    </a:schemeClr>
-                  </a:solidFill>
-                </a:ln>
-                <a:solidFill>
-                  <a:srgbClr val="ef0b6d"/>
-                </a:solidFill>
-                <a:latin typeface="HY견고딕"/>
-                <a:ea typeface="HY견고딕"/>
-              </a:rPr>
-              <a:t>예시 코드 참조</a:t>
-            </a:r>
-            <a:endParaRPr lang="ko-KR" altLang="en-US" sz="3000">
-              <a:ln w="9525">
-                <a:solidFill>
-                  <a:schemeClr val="bg1">
-                    <a:alpha val="55000"/>
-                  </a:schemeClr>
-                </a:solidFill>
-              </a:ln>
-              <a:solidFill>
-                <a:srgbClr val="ef0b6d"/>
-              </a:solidFill>
-              <a:latin typeface="HY견고딕"/>
-              <a:ea typeface="HY견고딕"/>
-            </a:endParaRPr>
-          </a:p>
-          <a:p>
-            <a:pPr marL="0" indent="0">
-              <a:buFontTx/>
-              <a:buNone/>
-              <a:defRPr/>
-            </a:pPr>
-            <a:r>
-              <a:rPr lang="en-US" altLang="ko-KR" sz="2000">
-                <a:ln w="9525">
-                  <a:solidFill>
-                    <a:schemeClr val="bg1">
-                      <a:alpha val="55000"/>
-                    </a:schemeClr>
-                  </a:solidFill>
-                </a:ln>
-                <a:solidFill>
-                  <a:srgbClr val="10253f"/>
-                </a:solidFill>
-                <a:latin typeface="HY견고딕"/>
-                <a:ea typeface="HY견고딕"/>
-              </a:rPr>
-              <a:t>-</a:t>
-            </a:r>
-            <a:r>
-              <a:rPr lang="ko-KR" altLang="en-US" sz="2000">
-                <a:ln w="9525">
-                  <a:solidFill>
-                    <a:schemeClr val="bg1">
-                      <a:alpha val="55000"/>
-                    </a:schemeClr>
-                  </a:solidFill>
-                </a:ln>
-                <a:solidFill>
-                  <a:srgbClr val="10253f"/>
-                </a:solidFill>
-                <a:latin typeface="HY견고딕"/>
-                <a:ea typeface="HY견고딕"/>
-              </a:rPr>
-              <a:t> </a:t>
-            </a:r>
-            <a:r>
-              <a:rPr lang="en-US" altLang="ko-KR" sz="2000">
-                <a:ln w="9525">
-                  <a:solidFill>
-                    <a:schemeClr val="bg1">
-                      <a:alpha val="55000"/>
-                    </a:schemeClr>
-                  </a:solidFill>
-                </a:ln>
-                <a:solidFill>
-                  <a:srgbClr val="10253f"/>
-                </a:solidFill>
-                <a:latin typeface="HY견고딕"/>
-                <a:ea typeface="HY견고딕"/>
-              </a:rPr>
-              <a:t>insert :</a:t>
-            </a:r>
-            <a:r>
-              <a:rPr lang="ko-KR" altLang="en-US" sz="2000">
-                <a:ln w="9525">
-                  <a:solidFill>
-                    <a:schemeClr val="bg1">
-                      <a:alpha val="55000"/>
-                    </a:schemeClr>
-                  </a:solidFill>
-                </a:ln>
-                <a:solidFill>
-                  <a:srgbClr val="10253f"/>
-                </a:solidFill>
-                <a:latin typeface="HY견고딕"/>
-                <a:ea typeface="HY견고딕"/>
-              </a:rPr>
-              <a:t> 배열의 </a:t>
-            </a:r>
-            <a:r>
-              <a:rPr lang="en-US" altLang="ko-KR" sz="2000">
-                <a:ln w="9525">
-                  <a:solidFill>
-                    <a:schemeClr val="bg1">
-                      <a:alpha val="55000"/>
-                    </a:schemeClr>
-                  </a:solidFill>
-                </a:ln>
-                <a:solidFill>
-                  <a:srgbClr val="10253f"/>
-                </a:solidFill>
-                <a:latin typeface="HY견고딕"/>
-                <a:ea typeface="HY견고딕"/>
-              </a:rPr>
-              <a:t>n</a:t>
-            </a:r>
-            <a:r>
-              <a:rPr lang="ko-KR" altLang="en-US" sz="2000">
-                <a:ln w="9525">
-                  <a:solidFill>
-                    <a:schemeClr val="bg1">
-                      <a:alpha val="55000"/>
-                    </a:schemeClr>
-                  </a:solidFill>
-                </a:ln>
-                <a:solidFill>
-                  <a:srgbClr val="10253f"/>
-                </a:solidFill>
-                <a:latin typeface="HY견고딕"/>
-                <a:ea typeface="HY견고딕"/>
-              </a:rPr>
-              <a:t>번째에 원소 삽입</a:t>
-            </a:r>
-            <a:endParaRPr lang="ko-KR" altLang="en-US" sz="2000">
-              <a:ln w="9525">
-                <a:solidFill>
-                  <a:schemeClr val="bg1">
-                    <a:alpha val="55000"/>
-                  </a:schemeClr>
-                </a:solidFill>
-              </a:ln>
-              <a:solidFill>
-                <a:srgbClr val="10253f"/>
-              </a:solidFill>
-              <a:latin typeface="HY견고딕"/>
-              <a:ea typeface="HY견고딕"/>
-            </a:endParaRPr>
-          </a:p>
-          <a:p>
-            <a:pPr marL="0" indent="0">
-              <a:buFontTx/>
-              <a:buNone/>
-              <a:defRPr/>
-            </a:pPr>
-            <a:r>
-              <a:rPr lang="en-US" altLang="ko-KR" sz="2000">
-                <a:ln w="9525">
-                  <a:solidFill>
-                    <a:schemeClr val="bg1">
-                      <a:alpha val="55000"/>
-                    </a:schemeClr>
-                  </a:solidFill>
-                </a:ln>
-                <a:solidFill>
-                  <a:srgbClr val="10253f"/>
-                </a:solidFill>
-                <a:latin typeface="HY견고딕"/>
-                <a:ea typeface="HY견고딕"/>
-              </a:rPr>
-              <a:t>-</a:t>
-            </a:r>
-            <a:r>
-              <a:rPr lang="ko-KR" altLang="en-US" sz="2000">
-                <a:ln w="9525">
-                  <a:solidFill>
-                    <a:schemeClr val="bg1">
-                      <a:alpha val="55000"/>
-                    </a:schemeClr>
-                  </a:solidFill>
-                </a:ln>
-                <a:solidFill>
-                  <a:srgbClr val="10253f"/>
-                </a:solidFill>
-                <a:latin typeface="HY견고딕"/>
-                <a:ea typeface="HY견고딕"/>
-              </a:rPr>
-              <a:t> </a:t>
-            </a:r>
-            <a:r>
-              <a:rPr lang="en-US" altLang="ko-KR" sz="2000">
-                <a:ln w="9525">
-                  <a:solidFill>
-                    <a:schemeClr val="bg1">
-                      <a:alpha val="55000"/>
-                    </a:schemeClr>
-                  </a:solidFill>
-                </a:ln>
-                <a:solidFill>
-                  <a:srgbClr val="10253f"/>
-                </a:solidFill>
-                <a:latin typeface="HY견고딕"/>
-                <a:ea typeface="HY견고딕"/>
-              </a:rPr>
-              <a:t>delete</a:t>
-            </a:r>
-            <a:r>
-              <a:rPr lang="ko-KR" altLang="en-US" sz="2000">
-                <a:ln w="9525">
-                  <a:solidFill>
-                    <a:schemeClr val="bg1">
-                      <a:alpha val="55000"/>
-                    </a:schemeClr>
-                  </a:solidFill>
-                </a:ln>
-                <a:solidFill>
-                  <a:srgbClr val="10253f"/>
-                </a:solidFill>
-                <a:latin typeface="HY견고딕"/>
-                <a:ea typeface="HY견고딕"/>
-              </a:rPr>
-              <a:t> </a:t>
-            </a:r>
-            <a:r>
-              <a:rPr lang="en-US" altLang="ko-KR" sz="2000">
-                <a:ln w="9525">
-                  <a:solidFill>
-                    <a:schemeClr val="bg1">
-                      <a:alpha val="55000"/>
-                    </a:schemeClr>
-                  </a:solidFill>
-                </a:ln>
-                <a:solidFill>
-                  <a:srgbClr val="10253f"/>
-                </a:solidFill>
-                <a:latin typeface="HY견고딕"/>
-                <a:ea typeface="HY견고딕"/>
-              </a:rPr>
-              <a:t>:</a:t>
-            </a:r>
-            <a:r>
-              <a:rPr lang="ko-KR" altLang="en-US" sz="2000">
-                <a:ln w="9525">
-                  <a:solidFill>
-                    <a:schemeClr val="bg1">
-                      <a:alpha val="55000"/>
-                    </a:schemeClr>
-                  </a:solidFill>
-                </a:ln>
-                <a:solidFill>
-                  <a:srgbClr val="10253f"/>
-                </a:solidFill>
-                <a:latin typeface="HY견고딕"/>
-                <a:ea typeface="HY견고딕"/>
-              </a:rPr>
-              <a:t> 배열의 </a:t>
-            </a:r>
-            <a:r>
-              <a:rPr lang="en-US" altLang="ko-KR" sz="2000">
-                <a:ln w="9525">
-                  <a:solidFill>
-                    <a:schemeClr val="bg1">
-                      <a:alpha val="55000"/>
-                    </a:schemeClr>
-                  </a:solidFill>
-                </a:ln>
-                <a:solidFill>
-                  <a:srgbClr val="10253f"/>
-                </a:solidFill>
-                <a:latin typeface="HY견고딕"/>
-                <a:ea typeface="HY견고딕"/>
-              </a:rPr>
-              <a:t>n</a:t>
-            </a:r>
-            <a:r>
-              <a:rPr lang="ko-KR" altLang="en-US" sz="2000">
-                <a:ln w="9525">
-                  <a:solidFill>
-                    <a:schemeClr val="bg1">
-                      <a:alpha val="55000"/>
-                    </a:schemeClr>
-                  </a:solidFill>
-                </a:ln>
-                <a:solidFill>
-                  <a:srgbClr val="10253f"/>
-                </a:solidFill>
-                <a:latin typeface="HY견고딕"/>
-                <a:ea typeface="HY견고딕"/>
-              </a:rPr>
-              <a:t>번째 원소 삭제</a:t>
-            </a:r>
-            <a:endParaRPr lang="ko-KR" altLang="en-US" sz="2000">
-              <a:ln w="9525">
-                <a:solidFill>
-                  <a:schemeClr val="bg1">
-                    <a:alpha val="55000"/>
-                  </a:schemeClr>
-                </a:solidFill>
-              </a:ln>
-              <a:solidFill>
-                <a:srgbClr val="10253f"/>
-              </a:solidFill>
-              <a:latin typeface="HY견고딕"/>
-              <a:ea typeface="HY견고딕"/>
-            </a:endParaRPr>
-          </a:p>
-          <a:p>
-            <a:pPr marL="0" indent="0">
-              <a:buFontTx/>
-              <a:buNone/>
-              <a:defRPr/>
-            </a:pPr>
-            <a:r>
-              <a:rPr lang="en-US" altLang="ko-KR" sz="2000">
-                <a:ln w="9525">
-                  <a:solidFill>
-                    <a:schemeClr val="bg1">
-                      <a:alpha val="55000"/>
-                    </a:schemeClr>
-                  </a:solidFill>
-                </a:ln>
-                <a:solidFill>
-                  <a:srgbClr val="10253f"/>
-                </a:solidFill>
-                <a:latin typeface="HY견고딕"/>
-                <a:ea typeface="HY견고딕"/>
-              </a:rPr>
-              <a:t>-</a:t>
-            </a:r>
-            <a:r>
-              <a:rPr lang="ko-KR" altLang="en-US" sz="2000">
-                <a:ln w="9525">
-                  <a:solidFill>
-                    <a:schemeClr val="bg1">
-                      <a:alpha val="55000"/>
-                    </a:schemeClr>
-                  </a:solidFill>
-                </a:ln>
-                <a:solidFill>
-                  <a:srgbClr val="10253f"/>
-                </a:solidFill>
-                <a:latin typeface="HY견고딕"/>
-                <a:ea typeface="HY견고딕"/>
-              </a:rPr>
-              <a:t> </a:t>
-            </a:r>
-            <a:r>
-              <a:rPr lang="en-US" altLang="ko-KR" sz="2000">
-                <a:ln w="9525">
-                  <a:solidFill>
-                    <a:schemeClr val="bg1">
-                      <a:alpha val="55000"/>
-                    </a:schemeClr>
-                  </a:solidFill>
-                </a:ln>
-                <a:solidFill>
-                  <a:srgbClr val="10253f"/>
-                </a:solidFill>
-                <a:latin typeface="HY견고딕"/>
-                <a:ea typeface="HY견고딕"/>
-              </a:rPr>
-              <a:t>append</a:t>
-            </a:r>
-            <a:r>
-              <a:rPr lang="ko-KR" altLang="en-US" sz="2000">
-                <a:ln w="9525">
-                  <a:solidFill>
-                    <a:schemeClr val="bg1">
-                      <a:alpha val="55000"/>
-                    </a:schemeClr>
-                  </a:solidFill>
-                </a:ln>
-                <a:solidFill>
-                  <a:srgbClr val="10253f"/>
-                </a:solidFill>
-                <a:latin typeface="HY견고딕"/>
-                <a:ea typeface="HY견고딕"/>
-              </a:rPr>
-              <a:t> </a:t>
-            </a:r>
-            <a:r>
-              <a:rPr lang="en-US" altLang="ko-KR" sz="2000">
-                <a:ln w="9525">
-                  <a:solidFill>
-                    <a:schemeClr val="bg1">
-                      <a:alpha val="55000"/>
-                    </a:schemeClr>
-                  </a:solidFill>
-                </a:ln>
-                <a:solidFill>
-                  <a:srgbClr val="10253f"/>
-                </a:solidFill>
-                <a:latin typeface="HY견고딕"/>
-                <a:ea typeface="HY견고딕"/>
-              </a:rPr>
-              <a:t>:</a:t>
-            </a:r>
-            <a:r>
-              <a:rPr lang="ko-KR" altLang="en-US" sz="2000">
-                <a:ln w="9525">
-                  <a:solidFill>
-                    <a:schemeClr val="bg1">
-                      <a:alpha val="55000"/>
-                    </a:schemeClr>
-                  </a:solidFill>
-                </a:ln>
-                <a:solidFill>
-                  <a:srgbClr val="10253f"/>
-                </a:solidFill>
-                <a:latin typeface="HY견고딕"/>
-                <a:ea typeface="HY견고딕"/>
-              </a:rPr>
-              <a:t> 배열 끝에 요소를 삽입</a:t>
-            </a:r>
-            <a:endParaRPr lang="ko-KR" altLang="en-US" sz="2000">
-              <a:ln w="9525">
-                <a:solidFill>
-                  <a:schemeClr val="bg1">
-                    <a:alpha val="55000"/>
-                  </a:schemeClr>
-                </a:solidFill>
-              </a:ln>
-              <a:solidFill>
-                <a:srgbClr val="10253f"/>
-              </a:solidFill>
-              <a:latin typeface="HY견고딕"/>
-              <a:ea typeface="HY견고딕"/>
-            </a:endParaRPr>
-          </a:p>
-        </p:txBody>
-      </p:sp>
-      <p:sp>
-        <p:nvSpPr>
-          <p:cNvPr id="10" name="직사각형 9"/>
-          <p:cNvSpPr/>
-          <p:nvPr/>
-        </p:nvSpPr>
-        <p:spPr>
-          <a:xfrm>
-            <a:off x="0" y="0"/>
-            <a:ext cx="9144000" cy="571480"/>
-          </a:xfrm>
-          <a:prstGeom prst="rect">
-            <a:avLst/>
-          </a:prstGeom>
-          <a:solidFill>
-            <a:schemeClr val="tx1"/>
-          </a:solidFill>
-          <a:ln>
-            <a:noFill/>
-          </a:ln>
-        </p:spPr>
-        <p:style>
-          <a:lnRef idx="2">
-            <a:schemeClr val="accent1">
-              <a:shade val="50000"/>
-            </a:schemeClr>
-          </a:lnRef>
-          <a:fillRef idx="1">
-            <a:schemeClr val="accent1"/>
-          </a:fillRef>
-          <a:effectRef idx="0">
-            <a:schemeClr val="accent1"/>
-          </a:effectRef>
-          <a:fontRef idx="minor">
-            <a:schemeClr val="lt1"/>
-          </a:fontRef>
-        </p:style>
-        <p:txBody>
-          <a:bodyPr anchor="ctr"/>
-          <a:lstStyle/>
-          <a:p>
-            <a:pPr algn="ctr">
-              <a:defRPr/>
-            </a:pPr>
-            <a:endParaRPr lang="ko-KR" altLang="en-US"/>
-          </a:p>
-        </p:txBody>
-      </p:sp>
-      <p:sp>
-        <p:nvSpPr>
-          <p:cNvPr id="23" name="직사각형 22"/>
-          <p:cNvSpPr/>
-          <p:nvPr/>
-        </p:nvSpPr>
-        <p:spPr>
-          <a:xfrm>
-            <a:off x="0" y="525760"/>
-            <a:ext cx="9144000" cy="45720"/>
-          </a:xfrm>
-          <a:prstGeom prst="rect">
-            <a:avLst/>
-          </a:prstGeom>
-          <a:solidFill>
-            <a:srgbClr val="aa0638"/>
-          </a:solidFill>
-          <a:ln>
-            <a:noFill/>
-          </a:ln>
-        </p:spPr>
-        <p:style>
-          <a:lnRef idx="2">
-            <a:schemeClr val="accent1">
-              <a:shade val="50000"/>
-            </a:schemeClr>
-          </a:lnRef>
-          <a:fillRef idx="1">
-            <a:schemeClr val="accent1"/>
-          </a:fillRef>
-          <a:effectRef idx="0">
-            <a:schemeClr val="accent1"/>
-          </a:effectRef>
-          <a:fontRef idx="minor">
-            <a:schemeClr val="lt1"/>
-          </a:fontRef>
-        </p:style>
-        <p:txBody>
-          <a:bodyPr anchor="ctr"/>
-          <a:lstStyle/>
-          <a:p>
-            <a:pPr algn="ctr">
-              <a:defRPr/>
-            </a:pPr>
-            <a:endParaRPr lang="ko-KR" altLang="en-US"/>
-          </a:p>
-        </p:txBody>
-      </p:sp>
-      <p:sp>
-        <p:nvSpPr>
-          <p:cNvPr id="11" name="타원 10"/>
-          <p:cNvSpPr/>
-          <p:nvPr/>
-        </p:nvSpPr>
-        <p:spPr>
-          <a:xfrm>
-            <a:off x="571472" y="2000240"/>
-            <a:ext cx="142876" cy="142876"/>
-          </a:xfrm>
-          <a:prstGeom prst="ellipse">
-            <a:avLst/>
-          </a:prstGeom>
-          <a:solidFill>
-            <a:srgbClr val="aa0638"/>
-          </a:solidFill>
-          <a:ln>
-            <a:noFill/>
-          </a:ln>
-          <a:effectLst>
-            <a:outerShdw blurRad="63500" sx="102000" sy="102000" algn="ctr" rotWithShape="0">
-              <a:prstClr val="black">
-                <a:alpha val="40000"/>
-              </a:prstClr>
-            </a:outerShdw>
-          </a:effectLst>
-        </p:spPr>
-        <p:style>
-          <a:lnRef idx="2">
-            <a:schemeClr val="accent1">
-              <a:shade val="50000"/>
-            </a:schemeClr>
-          </a:lnRef>
-          <a:fillRef idx="1">
-            <a:schemeClr val="accent1"/>
-          </a:fillRef>
-          <a:effectRef idx="0">
-            <a:schemeClr val="accent1"/>
-          </a:effectRef>
-          <a:fontRef idx="minor">
-            <a:schemeClr val="lt1"/>
-          </a:fontRef>
-        </p:style>
-        <p:txBody>
-          <a:bodyPr anchor="ctr"/>
-          <a:lstStyle/>
-          <a:p>
-            <a:pPr algn="ctr">
-              <a:defRPr/>
-            </a:pPr>
-            <a:endParaRPr lang="ko-KR" altLang="en-US"/>
-          </a:p>
-        </p:txBody>
-      </p:sp>
-    </p:spTree>
-    <p:extLst>
-      <p:ext uri="{BB962C8B-B14F-4D97-AF65-F5344CB8AC3E}">
-        <p14:creationId xmlns:p14="http://schemas.microsoft.com/office/powerpoint/2010/main" val="81483792"/>
-      </p:ext>
-    </p:extLst>
-  </p:cSld>
-  <p:clrMapOvr>
-    <a:masterClrMapping/>
-  </p:clrMapOvr>
-  <mc:AlternateContent xmlns:mc="http://schemas.openxmlformats.org/markup-compatibility/2006">
-    <mc:Choice xmlns:p14="http://schemas.microsoft.com/office/powerpoint/2010/main" Requires="p14">
-      <p:transition xmlns:mc="http://schemas.openxmlformats.org/markup-compatibility/2006" xmlns:p14="http://schemas.microsoft.com/office/powerpoint/2010/main" mc:Ignorable="p14" p14:dur="500">
-        <p:fade/>
-      </p:transition>
-    </mc:Choice>
-    <mc:Fallback>
-      <p:transition xmlns:mc="http://schemas.openxmlformats.org/markup-compatibility/2006" xmlns:hp="http://schemas.haansoft.com/office/presentation/8.0" mc:Ignorable="hp" hp:hslDur="500">
-        <p:fade/>
-      </p:transition>
-    </mc:Fallback>
-  </mc:AlternateContent>
+  <p:transition>
+    <p:fade/>
+  </p:transition>
   <p:timing>
     <p:tnLst>
       <p:par>
